--- a/EsseFunziona/description/EsseFunziona.pptx
+++ b/EsseFunziona/description/EsseFunziona.pptx
@@ -7,7 +7,7 @@
   <p:sldIdLst>
     <p:sldId id="256" r:id="rId2"/>
     <p:sldId id="257" r:id="rId3"/>
-    <p:sldId id="258" r:id="rId4"/>
+    <p:sldId id="266" r:id="rId4"/>
     <p:sldId id="259" r:id="rId5"/>
     <p:sldId id="260" r:id="rId6"/>
     <p:sldId id="261" r:id="rId7"/>
@@ -113,7 +113,16 @@
       </a:defRPr>
     </a:lvl9pPr>
   </p:defaultTextStyle>
+  <p:extLst>
+    <p:ext uri="{EFAFB233-063F-42B5-8137-9DF3F51BA10A}">
+      <p15:sldGuideLst xmlns:p15="http://schemas.microsoft.com/office/powerpoint/2012/main"/>
+    </p:ext>
+  </p:extLst>
 </p:presentation>
+</file>
+
+<file path=ppt/revisionInfo.xml><?xml version="1.0" encoding="utf-8"?>
+<p1510:revInfo xmlns:a="http://schemas.openxmlformats.org/drawingml/2006/main" xmlns:r="http://schemas.openxmlformats.org/officeDocument/2006/relationships" xmlns:p1510="http://schemas.microsoft.com/office/powerpoint/2015/10/main"/>
 </file>
 
 <file path=ppt/slideLayouts/slideLayout1.xml><?xml version="1.0" encoding="utf-8"?>
@@ -307,7 +316,7 @@
           <a:p>
             <a:fld id="{AEEF0AA8-E38C-4580-95DC-D87C8EFA4E2A}" type="datetimeFigureOut">
               <a:rPr lang="it-IT" smtClean="0"/>
-              <a:t>18/01/2018</a:t>
+              <a:t>20/01/2018</a:t>
             </a:fld>
             <a:endParaRPr lang="it-IT"/>
           </a:p>
@@ -743,7 +752,7 @@
           <a:p>
             <a:fld id="{AEEF0AA8-E38C-4580-95DC-D87C8EFA4E2A}" type="datetimeFigureOut">
               <a:rPr lang="it-IT" smtClean="0"/>
-              <a:t>18/01/2018</a:t>
+              <a:t>20/01/2018</a:t>
             </a:fld>
             <a:endParaRPr lang="it-IT"/>
           </a:p>
@@ -993,7 +1002,7 @@
           <a:p>
             <a:fld id="{AEEF0AA8-E38C-4580-95DC-D87C8EFA4E2A}" type="datetimeFigureOut">
               <a:rPr lang="it-IT" smtClean="0"/>
-              <a:t>18/01/2018</a:t>
+              <a:t>20/01/2018</a:t>
             </a:fld>
             <a:endParaRPr lang="it-IT"/>
           </a:p>
@@ -1301,7 +1310,7 @@
           <a:p>
             <a:fld id="{AEEF0AA8-E38C-4580-95DC-D87C8EFA4E2A}" type="datetimeFigureOut">
               <a:rPr lang="it-IT" smtClean="0"/>
-              <a:t>18/01/2018</a:t>
+              <a:t>20/01/2018</a:t>
             </a:fld>
             <a:endParaRPr lang="it-IT"/>
           </a:p>
@@ -1619,7 +1628,7 @@
           <a:p>
             <a:fld id="{AEEF0AA8-E38C-4580-95DC-D87C8EFA4E2A}" type="datetimeFigureOut">
               <a:rPr lang="it-IT" smtClean="0"/>
-              <a:t>18/01/2018</a:t>
+              <a:t>20/01/2018</a:t>
             </a:fld>
             <a:endParaRPr lang="it-IT"/>
           </a:p>
@@ -1921,7 +1930,7 @@
           <a:p>
             <a:fld id="{AEEF0AA8-E38C-4580-95DC-D87C8EFA4E2A}" type="datetimeFigureOut">
               <a:rPr lang="it-IT" smtClean="0"/>
-              <a:t>18/01/2018</a:t>
+              <a:t>20/01/2018</a:t>
             </a:fld>
             <a:endParaRPr lang="it-IT"/>
           </a:p>
@@ -2288,7 +2297,7 @@
           <a:p>
             <a:fld id="{AEEF0AA8-E38C-4580-95DC-D87C8EFA4E2A}" type="datetimeFigureOut">
               <a:rPr lang="it-IT" smtClean="0"/>
-              <a:t>18/01/2018</a:t>
+              <a:t>20/01/2018</a:t>
             </a:fld>
             <a:endParaRPr lang="it-IT"/>
           </a:p>
@@ -2462,7 +2471,7 @@
           <a:p>
             <a:fld id="{AEEF0AA8-E38C-4580-95DC-D87C8EFA4E2A}" type="datetimeFigureOut">
               <a:rPr lang="it-IT" smtClean="0"/>
-              <a:t>18/01/2018</a:t>
+              <a:t>20/01/2018</a:t>
             </a:fld>
             <a:endParaRPr lang="it-IT"/>
           </a:p>
@@ -2642,7 +2651,7 @@
           <a:p>
             <a:fld id="{AEEF0AA8-E38C-4580-95DC-D87C8EFA4E2A}" type="datetimeFigureOut">
               <a:rPr lang="it-IT" smtClean="0"/>
-              <a:t>18/01/2018</a:t>
+              <a:t>20/01/2018</a:t>
             </a:fld>
             <a:endParaRPr lang="it-IT"/>
           </a:p>
@@ -2812,7 +2821,7 @@
           <a:p>
             <a:fld id="{AEEF0AA8-E38C-4580-95DC-D87C8EFA4E2A}" type="datetimeFigureOut">
               <a:rPr lang="it-IT" smtClean="0"/>
-              <a:t>18/01/2018</a:t>
+              <a:t>20/01/2018</a:t>
             </a:fld>
             <a:endParaRPr lang="it-IT"/>
           </a:p>
@@ -3062,7 +3071,7 @@
           <a:p>
             <a:fld id="{AEEF0AA8-E38C-4580-95DC-D87C8EFA4E2A}" type="datetimeFigureOut">
               <a:rPr lang="it-IT" smtClean="0"/>
-              <a:t>18/01/2018</a:t>
+              <a:t>20/01/2018</a:t>
             </a:fld>
             <a:endParaRPr lang="it-IT"/>
           </a:p>
@@ -3298,7 +3307,7 @@
           <a:p>
             <a:fld id="{AEEF0AA8-E38C-4580-95DC-D87C8EFA4E2A}" type="datetimeFigureOut">
               <a:rPr lang="it-IT" smtClean="0"/>
-              <a:t>18/01/2018</a:t>
+              <a:t>20/01/2018</a:t>
             </a:fld>
             <a:endParaRPr lang="it-IT"/>
           </a:p>
@@ -3680,7 +3689,7 @@
           <a:p>
             <a:fld id="{AEEF0AA8-E38C-4580-95DC-D87C8EFA4E2A}" type="datetimeFigureOut">
               <a:rPr lang="it-IT" smtClean="0"/>
-              <a:t>18/01/2018</a:t>
+              <a:t>20/01/2018</a:t>
             </a:fld>
             <a:endParaRPr lang="it-IT"/>
           </a:p>
@@ -3798,7 +3807,7 @@
           <a:p>
             <a:fld id="{AEEF0AA8-E38C-4580-95DC-D87C8EFA4E2A}" type="datetimeFigureOut">
               <a:rPr lang="it-IT" smtClean="0"/>
-              <a:t>18/01/2018</a:t>
+              <a:t>20/01/2018</a:t>
             </a:fld>
             <a:endParaRPr lang="it-IT"/>
           </a:p>
@@ -3893,7 +3902,7 @@
           <a:p>
             <a:fld id="{AEEF0AA8-E38C-4580-95DC-D87C8EFA4E2A}" type="datetimeFigureOut">
               <a:rPr lang="it-IT" smtClean="0"/>
-              <a:t>18/01/2018</a:t>
+              <a:t>20/01/2018</a:t>
             </a:fld>
             <a:endParaRPr lang="it-IT"/>
           </a:p>
@@ -4148,7 +4157,7 @@
           <a:p>
             <a:fld id="{AEEF0AA8-E38C-4580-95DC-D87C8EFA4E2A}" type="datetimeFigureOut">
               <a:rPr lang="it-IT" smtClean="0"/>
-              <a:t>18/01/2018</a:t>
+              <a:t>20/01/2018</a:t>
             </a:fld>
             <a:endParaRPr lang="it-IT"/>
           </a:p>
@@ -4431,7 +4440,7 @@
           <a:p>
             <a:fld id="{AEEF0AA8-E38C-4580-95DC-D87C8EFA4E2A}" type="datetimeFigureOut">
               <a:rPr lang="it-IT" smtClean="0"/>
-              <a:t>18/01/2018</a:t>
+              <a:t>20/01/2018</a:t>
             </a:fld>
             <a:endParaRPr lang="it-IT"/>
           </a:p>
@@ -4837,7 +4846,7 @@
           <a:p>
             <a:fld id="{AEEF0AA8-E38C-4580-95DC-D87C8EFA4E2A}" type="datetimeFigureOut">
               <a:rPr lang="it-IT" smtClean="0"/>
-              <a:t>18/01/2018</a:t>
+              <a:t>20/01/2018</a:t>
             </a:fld>
             <a:endParaRPr lang="it-IT"/>
           </a:p>
@@ -5396,8 +5405,8 @@
           <a:lstStyle/>
           <a:p>
             <a:r>
-              <a:rPr lang="it-IT" sz="7200" dirty="0" err="1"/>
-              <a:t>EsseFunziona</a:t>
+              <a:rPr lang="it-IT" sz="7200"/>
+              <a:t>Esse-Funziona</a:t>
             </a:r>
             <a:endParaRPr lang="it-IT" sz="7200" dirty="0"/>
           </a:p>
@@ -5475,8 +5484,8 @@
         </p:nvSpPr>
         <p:spPr>
           <a:xfrm>
-            <a:off x="587229" y="620785"/>
-            <a:ext cx="7919208" cy="646331"/>
+            <a:off x="729743" y="981921"/>
+            <a:ext cx="6073729" cy="4524315"/>
           </a:xfrm>
           <a:prstGeom prst="rect">
             <a:avLst/>
@@ -5491,14 +5500,135 @@
           <a:p>
             <a:r>
               <a:rPr lang="it-IT" dirty="0"/>
-              <a:t>Tecnologie Usate:</a:t>
-            </a:r>
-          </a:p>
-          <a:p>
-            <a:pPr marL="285750" indent="-285750">
+              <a:t>Tecnologie</a:t>
+            </a:r>
+          </a:p>
+          <a:p>
+            <a:endParaRPr lang="it-IT" dirty="0"/>
+          </a:p>
+          <a:p>
+            <a:pPr lvl="1"/>
+            <a:r>
+              <a:rPr lang="it-IT" dirty="0"/>
+              <a:t>Linguaggi Usati per lo svolgimento del progetto: </a:t>
+            </a:r>
+          </a:p>
+          <a:p>
+            <a:pPr marL="1200150" lvl="2" indent="-285750">
               <a:buFont typeface="Arial" panose="020B0604020202020204" pitchFamily="34" charset="0"/>
               <a:buChar char="•"/>
             </a:pPr>
+            <a:r>
+              <a:rPr lang="it-IT" dirty="0"/>
+              <a:t>Java</a:t>
+            </a:r>
+          </a:p>
+          <a:p>
+            <a:pPr marL="1200150" lvl="2" indent="-285750">
+              <a:buFont typeface="Arial" panose="020B0604020202020204" pitchFamily="34" charset="0"/>
+              <a:buChar char="•"/>
+            </a:pPr>
+            <a:r>
+              <a:rPr lang="it-IT" dirty="0"/>
+              <a:t>JavaScript</a:t>
+            </a:r>
+          </a:p>
+          <a:p>
+            <a:pPr marL="1200150" lvl="2" indent="-285750">
+              <a:buFont typeface="Arial" panose="020B0604020202020204" pitchFamily="34" charset="0"/>
+              <a:buChar char="•"/>
+            </a:pPr>
+            <a:r>
+              <a:rPr lang="it-IT" dirty="0"/>
+              <a:t>Html5</a:t>
+            </a:r>
+          </a:p>
+          <a:p>
+            <a:pPr marL="1200150" lvl="2" indent="-285750">
+              <a:buFont typeface="Arial" panose="020B0604020202020204" pitchFamily="34" charset="0"/>
+              <a:buChar char="•"/>
+            </a:pPr>
+            <a:r>
+              <a:rPr lang="it-IT" dirty="0"/>
+              <a:t>HTTP</a:t>
+            </a:r>
+          </a:p>
+          <a:p>
+            <a:pPr marL="1200150" lvl="2" indent="-285750">
+              <a:buFont typeface="Arial" panose="020B0604020202020204" pitchFamily="34" charset="0"/>
+              <a:buChar char="•"/>
+            </a:pPr>
+            <a:r>
+              <a:rPr lang="it-IT" dirty="0"/>
+              <a:t>CSS</a:t>
+            </a:r>
+          </a:p>
+          <a:p>
+            <a:pPr lvl="2"/>
+            <a:endParaRPr lang="it-IT" dirty="0"/>
+          </a:p>
+          <a:p>
+            <a:pPr lvl="1"/>
+            <a:r>
+              <a:rPr lang="it-IT" dirty="0"/>
+              <a:t>Altre tecnologie usate:</a:t>
+            </a:r>
+          </a:p>
+          <a:p>
+            <a:pPr marL="1200150" lvl="2" indent="-285750">
+              <a:buFont typeface="Arial" panose="020B0604020202020204" pitchFamily="34" charset="0"/>
+              <a:buChar char="•"/>
+            </a:pPr>
+            <a:r>
+              <a:rPr lang="it-IT" dirty="0" err="1"/>
+              <a:t>BootStrap</a:t>
+            </a:r>
+            <a:endParaRPr lang="it-IT" dirty="0"/>
+          </a:p>
+          <a:p>
+            <a:pPr marL="1200150" lvl="2" indent="-285750">
+              <a:buFont typeface="Arial" panose="020B0604020202020204" pitchFamily="34" charset="0"/>
+              <a:buChar char="•"/>
+            </a:pPr>
+            <a:r>
+              <a:rPr lang="it-IT" dirty="0"/>
+              <a:t>Ajax</a:t>
+            </a:r>
+          </a:p>
+          <a:p>
+            <a:pPr marL="1200150" lvl="2" indent="-285750">
+              <a:buFont typeface="Arial" panose="020B0604020202020204" pitchFamily="34" charset="0"/>
+              <a:buChar char="•"/>
+            </a:pPr>
+            <a:r>
+              <a:rPr lang="it-IT" dirty="0" err="1"/>
+              <a:t>Json</a:t>
+            </a:r>
+            <a:endParaRPr lang="it-IT" dirty="0"/>
+          </a:p>
+          <a:p>
+            <a:pPr marL="1200150" lvl="2" indent="-285750">
+              <a:buFont typeface="Arial" panose="020B0604020202020204" pitchFamily="34" charset="0"/>
+              <a:buChar char="•"/>
+            </a:pPr>
+            <a:r>
+              <a:rPr lang="it-IT" dirty="0" err="1"/>
+              <a:t>Gson</a:t>
+            </a:r>
+            <a:endParaRPr lang="it-IT" dirty="0"/>
+          </a:p>
+          <a:p>
+            <a:pPr marL="1200150" lvl="2" indent="-285750">
+              <a:buFont typeface="Arial" panose="020B0604020202020204" pitchFamily="34" charset="0"/>
+              <a:buChar char="•"/>
+            </a:pPr>
+            <a:r>
+              <a:rPr lang="it-IT" dirty="0"/>
+              <a:t>Web Api</a:t>
+            </a:r>
+          </a:p>
+          <a:p>
+            <a:pPr lvl="2"/>
             <a:endParaRPr lang="it-IT" dirty="0"/>
           </a:p>
         </p:txBody>
@@ -5635,6 +5765,14 @@
 <file path=ppt/slides/slide3.xml><?xml version="1.0" encoding="utf-8"?>
 <p:sld xmlns:a="http://schemas.openxmlformats.org/drawingml/2006/main" xmlns:r="http://schemas.openxmlformats.org/officeDocument/2006/relationships" xmlns:p="http://schemas.openxmlformats.org/presentationml/2006/main">
   <p:cSld>
+    <p:bg>
+      <p:bgPr>
+        <a:solidFill>
+          <a:schemeClr val="bg1"/>
+        </a:solidFill>
+        <a:effectLst/>
+      </p:bgPr>
+    </p:bg>
     <p:spTree>
       <p:nvGrpSpPr>
         <p:cNvPr id="1" name=""/>
@@ -5649,12 +5787,681 @@
           <a:chExt cx="0" cy="0"/>
         </a:xfrm>
       </p:grpSpPr>
+      <p:cxnSp>
+        <p:nvCxnSpPr>
+          <p:cNvPr id="147" name="Straight Connector 114">
+            <a:extLst>
+              <a:ext uri="{FF2B5EF4-FFF2-40B4-BE49-F238E27FC236}">
+                <a16:creationId xmlns:a16="http://schemas.microsoft.com/office/drawing/2014/main" id="{0512F9CB-A1A0-4043-A103-F6A4B94B695A}"/>
+              </a:ext>
+            </a:extLst>
+          </p:cNvPr>
+          <p:cNvCxnSpPr>
+            <a:cxnSpLocks noGrp="1" noRot="1" noChangeAspect="1" noMove="1" noResize="1" noEditPoints="1" noAdjustHandles="1" noChangeArrowheads="1" noChangeShapeType="1"/>
+          </p:cNvCxnSpPr>
+          <p:nvPr>
+            <p:extLst>
+              <p:ext uri="{386F3935-93C4-4BCD-93E2-E3B085C9AB24}">
+                <p16:designElem xmlns:p16="http://schemas.microsoft.com/office/powerpoint/2015/main" val="1"/>
+              </p:ext>
+            </p:extLst>
+          </p:nvPr>
+        </p:nvCxnSpPr>
+        <p:spPr>
+          <a:xfrm flipH="1">
+            <a:off x="8228012" y="8467"/>
+            <a:ext cx="3810000" cy="3810000"/>
+          </a:xfrm>
+          <a:prstGeom prst="line">
+            <a:avLst/>
+          </a:prstGeom>
+          <a:ln w="12700">
+            <a:solidFill>
+              <a:schemeClr val="tx1"/>
+            </a:solidFill>
+          </a:ln>
+        </p:spPr>
+        <p:style>
+          <a:lnRef idx="2">
+            <a:schemeClr val="accent1"/>
+          </a:lnRef>
+          <a:fillRef idx="0">
+            <a:schemeClr val="accent1"/>
+          </a:fillRef>
+          <a:effectRef idx="1">
+            <a:schemeClr val="accent1"/>
+          </a:effectRef>
+          <a:fontRef idx="minor">
+            <a:schemeClr val="tx1"/>
+          </a:fontRef>
+        </p:style>
+      </p:cxnSp>
+      <p:cxnSp>
+        <p:nvCxnSpPr>
+          <p:cNvPr id="148" name="Straight Connector 116">
+            <a:extLst>
+              <a:ext uri="{FF2B5EF4-FFF2-40B4-BE49-F238E27FC236}">
+                <a16:creationId xmlns:a16="http://schemas.microsoft.com/office/drawing/2014/main" id="{ADBE6588-EE16-4389-857C-86A156D49E5D}"/>
+              </a:ext>
+            </a:extLst>
+          </p:cNvPr>
+          <p:cNvCxnSpPr>
+            <a:cxnSpLocks noGrp="1" noRot="1" noChangeAspect="1" noMove="1" noResize="1" noEditPoints="1" noAdjustHandles="1" noChangeArrowheads="1" noChangeShapeType="1"/>
+          </p:cNvCxnSpPr>
+          <p:nvPr>
+            <p:extLst>
+              <p:ext uri="{386F3935-93C4-4BCD-93E2-E3B085C9AB24}">
+                <p16:designElem xmlns:p16="http://schemas.microsoft.com/office/powerpoint/2015/main" val="1"/>
+              </p:ext>
+            </p:extLst>
+          </p:nvPr>
+        </p:nvCxnSpPr>
+        <p:spPr>
+          <a:xfrm flipH="1">
+            <a:off x="6108170" y="91545"/>
+            <a:ext cx="6080655" cy="6080655"/>
+          </a:xfrm>
+          <a:prstGeom prst="line">
+            <a:avLst/>
+          </a:prstGeom>
+          <a:ln w="12700">
+            <a:solidFill>
+              <a:schemeClr val="tx1"/>
+            </a:solidFill>
+          </a:ln>
+        </p:spPr>
+        <p:style>
+          <a:lnRef idx="2">
+            <a:schemeClr val="accent1"/>
+          </a:lnRef>
+          <a:fillRef idx="0">
+            <a:schemeClr val="accent1"/>
+          </a:fillRef>
+          <a:effectRef idx="1">
+            <a:schemeClr val="accent1"/>
+          </a:effectRef>
+          <a:fontRef idx="minor">
+            <a:schemeClr val="tx1"/>
+          </a:fontRef>
+        </p:style>
+      </p:cxnSp>
+      <p:cxnSp>
+        <p:nvCxnSpPr>
+          <p:cNvPr id="149" name="Straight Connector 118">
+            <a:extLst>
+              <a:ext uri="{FF2B5EF4-FFF2-40B4-BE49-F238E27FC236}">
+                <a16:creationId xmlns:a16="http://schemas.microsoft.com/office/drawing/2014/main" id="{17FD48D2-B0A7-413D-B947-AA55AC1296D5}"/>
+              </a:ext>
+            </a:extLst>
+          </p:cNvPr>
+          <p:cNvCxnSpPr>
+            <a:cxnSpLocks noGrp="1" noRot="1" noChangeAspect="1" noMove="1" noResize="1" noEditPoints="1" noAdjustHandles="1" noChangeArrowheads="1" noChangeShapeType="1"/>
+          </p:cNvCxnSpPr>
+          <p:nvPr>
+            <p:extLst>
+              <p:ext uri="{386F3935-93C4-4BCD-93E2-E3B085C9AB24}">
+                <p16:designElem xmlns:p16="http://schemas.microsoft.com/office/powerpoint/2015/main" val="1"/>
+              </p:ext>
+            </p:extLst>
+          </p:nvPr>
+        </p:nvCxnSpPr>
+        <p:spPr>
+          <a:xfrm flipH="1">
+            <a:off x="7235825" y="228600"/>
+            <a:ext cx="4953000" cy="4953000"/>
+          </a:xfrm>
+          <a:prstGeom prst="line">
+            <a:avLst/>
+          </a:prstGeom>
+          <a:ln w="12700">
+            <a:solidFill>
+              <a:schemeClr val="tx1"/>
+            </a:solidFill>
+          </a:ln>
+        </p:spPr>
+        <p:style>
+          <a:lnRef idx="2">
+            <a:schemeClr val="accent1"/>
+          </a:lnRef>
+          <a:fillRef idx="0">
+            <a:schemeClr val="accent1"/>
+          </a:fillRef>
+          <a:effectRef idx="1">
+            <a:schemeClr val="accent1"/>
+          </a:effectRef>
+          <a:fontRef idx="minor">
+            <a:schemeClr val="tx1"/>
+          </a:fontRef>
+        </p:style>
+      </p:cxnSp>
+      <p:cxnSp>
+        <p:nvCxnSpPr>
+          <p:cNvPr id="150" name="Straight Connector 120">
+            <a:extLst>
+              <a:ext uri="{FF2B5EF4-FFF2-40B4-BE49-F238E27FC236}">
+                <a16:creationId xmlns:a16="http://schemas.microsoft.com/office/drawing/2014/main" id="{2BE668D0-D906-4EEE-B32F-8C028624B837}"/>
+              </a:ext>
+            </a:extLst>
+          </p:cNvPr>
+          <p:cNvCxnSpPr>
+            <a:cxnSpLocks noGrp="1" noRot="1" noChangeAspect="1" noMove="1" noResize="1" noEditPoints="1" noAdjustHandles="1" noChangeArrowheads="1" noChangeShapeType="1"/>
+          </p:cNvCxnSpPr>
+          <p:nvPr>
+            <p:extLst>
+              <p:ext uri="{386F3935-93C4-4BCD-93E2-E3B085C9AB24}">
+                <p16:designElem xmlns:p16="http://schemas.microsoft.com/office/powerpoint/2015/main" val="1"/>
+              </p:ext>
+            </p:extLst>
+          </p:nvPr>
+        </p:nvCxnSpPr>
+        <p:spPr>
+          <a:xfrm flipH="1">
+            <a:off x="7335837" y="32278"/>
+            <a:ext cx="4852989" cy="4852989"/>
+          </a:xfrm>
+          <a:prstGeom prst="line">
+            <a:avLst/>
+          </a:prstGeom>
+          <a:ln w="31750">
+            <a:solidFill>
+              <a:schemeClr val="tx1"/>
+            </a:solidFill>
+          </a:ln>
+        </p:spPr>
+        <p:style>
+          <a:lnRef idx="2">
+            <a:schemeClr val="accent1"/>
+          </a:lnRef>
+          <a:fillRef idx="0">
+            <a:schemeClr val="accent1"/>
+          </a:fillRef>
+          <a:effectRef idx="1">
+            <a:schemeClr val="accent1"/>
+          </a:effectRef>
+          <a:fontRef idx="minor">
+            <a:schemeClr val="tx1"/>
+          </a:fontRef>
+        </p:style>
+      </p:cxnSp>
+      <p:cxnSp>
+        <p:nvCxnSpPr>
+          <p:cNvPr id="151" name="Straight Connector 122">
+            <a:extLst>
+              <a:ext uri="{FF2B5EF4-FFF2-40B4-BE49-F238E27FC236}">
+                <a16:creationId xmlns:a16="http://schemas.microsoft.com/office/drawing/2014/main" id="{D1DE67A3-B8F6-4CFD-A8E0-D15200F23152}"/>
+              </a:ext>
+            </a:extLst>
+          </p:cNvPr>
+          <p:cNvCxnSpPr>
+            <a:cxnSpLocks noGrp="1" noRot="1" noChangeAspect="1" noMove="1" noResize="1" noEditPoints="1" noAdjustHandles="1" noChangeArrowheads="1" noChangeShapeType="1"/>
+          </p:cNvCxnSpPr>
+          <p:nvPr>
+            <p:extLst>
+              <p:ext uri="{386F3935-93C4-4BCD-93E2-E3B085C9AB24}">
+                <p16:designElem xmlns:p16="http://schemas.microsoft.com/office/powerpoint/2015/main" val="1"/>
+              </p:ext>
+            </p:extLst>
+          </p:nvPr>
+        </p:nvCxnSpPr>
+        <p:spPr>
+          <a:xfrm flipH="1">
+            <a:off x="7845426" y="609601"/>
+            <a:ext cx="4343399" cy="4343399"/>
+          </a:xfrm>
+          <a:prstGeom prst="line">
+            <a:avLst/>
+          </a:prstGeom>
+          <a:ln w="31750">
+            <a:solidFill>
+              <a:schemeClr val="tx1"/>
+            </a:solidFill>
+          </a:ln>
+        </p:spPr>
+        <p:style>
+          <a:lnRef idx="2">
+            <a:schemeClr val="accent1"/>
+          </a:lnRef>
+          <a:fillRef idx="0">
+            <a:schemeClr val="accent1"/>
+          </a:fillRef>
+          <a:effectRef idx="1">
+            <a:schemeClr val="accent1"/>
+          </a:effectRef>
+          <a:fontRef idx="minor">
+            <a:schemeClr val="tx1"/>
+          </a:fontRef>
+        </p:style>
+      </p:cxnSp>
+      <p:sp>
+        <p:nvSpPr>
+          <p:cNvPr id="152" name="Rectangle 124">
+            <a:extLst>
+              <a:ext uri="{FF2B5EF4-FFF2-40B4-BE49-F238E27FC236}">
+                <a16:creationId xmlns:a16="http://schemas.microsoft.com/office/drawing/2014/main" id="{991E317B-75E3-4171-A07A-B263C1D6DCA5}"/>
+              </a:ext>
+            </a:extLst>
+          </p:cNvPr>
+          <p:cNvSpPr>
+            <a:spLocks noGrp="1" noRot="1" noChangeAspect="1" noMove="1" noResize="1" noEditPoints="1" noAdjustHandles="1" noChangeArrowheads="1" noChangeShapeType="1" noTextEdit="1"/>
+          </p:cNvSpPr>
+          <p:nvPr>
+            <p:extLst>
+              <p:ext uri="{386F3935-93C4-4BCD-93E2-E3B085C9AB24}">
+                <p16:designElem xmlns:p16="http://schemas.microsoft.com/office/powerpoint/2015/main" val="1"/>
+              </p:ext>
+            </p:extLst>
+          </p:nvPr>
+        </p:nvSpPr>
+        <p:spPr>
+          <a:xfrm>
+            <a:off x="0" y="0"/>
+            <a:ext cx="12192000" cy="6858000"/>
+          </a:xfrm>
+          <a:prstGeom prst="rect">
+            <a:avLst/>
+          </a:prstGeom>
+          <a:ln>
+            <a:noFill/>
+          </a:ln>
+        </p:spPr>
+        <p:style>
+          <a:lnRef idx="2">
+            <a:schemeClr val="accent1">
+              <a:shade val="50000"/>
+            </a:schemeClr>
+          </a:lnRef>
+          <a:fillRef idx="1002">
+            <a:schemeClr val="dk2"/>
+          </a:fillRef>
+          <a:effectRef idx="0">
+            <a:schemeClr val="accent1"/>
+          </a:effectRef>
+          <a:fontRef idx="minor">
+            <a:schemeClr val="lt1"/>
+          </a:fontRef>
+        </p:style>
+        <p:txBody>
+          <a:bodyPr rtlCol="0" anchor="ctr"/>
+          <a:lstStyle/>
+          <a:p>
+            <a:pPr algn="ctr"/>
+            <a:endParaRPr lang="en-US"/>
+          </a:p>
+        </p:txBody>
+      </p:sp>
+      <p:sp useBgFill="1">
+        <p:nvSpPr>
+          <p:cNvPr id="153" name="Snip Diagonal Corner Rectangle 6">
+            <a:extLst>
+              <a:ext uri="{FF2B5EF4-FFF2-40B4-BE49-F238E27FC236}">
+                <a16:creationId xmlns:a16="http://schemas.microsoft.com/office/drawing/2014/main" id="{4A9B19C2-B29A-4924-9E7E-6FBF17F5854E}"/>
+              </a:ext>
+            </a:extLst>
+          </p:cNvPr>
+          <p:cNvSpPr>
+            <a:spLocks noGrp="1" noRot="1" noChangeAspect="1" noMove="1" noResize="1" noEditPoints="1" noAdjustHandles="1" noChangeArrowheads="1" noChangeShapeType="1" noTextEdit="1"/>
+          </p:cNvSpPr>
+          <p:nvPr>
+            <p:extLst>
+              <p:ext uri="{386F3935-93C4-4BCD-93E2-E3B085C9AB24}">
+                <p16:designElem xmlns:p16="http://schemas.microsoft.com/office/powerpoint/2015/main" val="1"/>
+              </p:ext>
+            </p:extLst>
+          </p:nvPr>
+        </p:nvSpPr>
+        <p:spPr>
+          <a:xfrm>
+            <a:off x="634000" y="620722"/>
+            <a:ext cx="6418778" cy="5286838"/>
+          </a:xfrm>
+          <a:prstGeom prst="snip2DiagRect">
+            <a:avLst>
+              <a:gd name="adj1" fmla="val 10973"/>
+              <a:gd name="adj2" fmla="val 0"/>
+            </a:avLst>
+          </a:prstGeom>
+          <a:ln>
+            <a:noFill/>
+          </a:ln>
+          <a:effectLst>
+            <a:innerShdw blurRad="57150" dist="38100" dir="14460000">
+              <a:prstClr val="black">
+                <a:alpha val="70000"/>
+              </a:prstClr>
+            </a:innerShdw>
+          </a:effectLst>
+        </p:spPr>
+        <p:style>
+          <a:lnRef idx="2">
+            <a:schemeClr val="accent1">
+              <a:shade val="50000"/>
+            </a:schemeClr>
+          </a:lnRef>
+          <a:fillRef idx="1">
+            <a:schemeClr val="accent1"/>
+          </a:fillRef>
+          <a:effectRef idx="0">
+            <a:schemeClr val="accent1"/>
+          </a:effectRef>
+          <a:fontRef idx="minor">
+            <a:schemeClr val="lt1"/>
+          </a:fontRef>
+        </p:style>
+        <p:txBody>
+          <a:bodyPr rtlCol="0" anchor="ctr"/>
+          <a:lstStyle/>
+          <a:p>
+            <a:pPr algn="ctr"/>
+            <a:endParaRPr lang="en-US"/>
+          </a:p>
+        </p:txBody>
+      </p:sp>
+      <p:grpSp>
+        <p:nvGrpSpPr>
+          <p:cNvPr id="154" name="Group 128">
+            <a:extLst>
+              <a:ext uri="{FF2B5EF4-FFF2-40B4-BE49-F238E27FC236}">
+                <a16:creationId xmlns:a16="http://schemas.microsoft.com/office/drawing/2014/main" id="{34C85634-D5F5-4047-8F35-F4B1F50AB1A7}"/>
+              </a:ext>
+            </a:extLst>
+          </p:cNvPr>
+          <p:cNvGrpSpPr>
+            <a:grpSpLocks noGrp="1" noUngrp="1" noRot="1" noChangeAspect="1" noMove="1" noResize="1"/>
+          </p:cNvGrpSpPr>
+          <p:nvPr>
+            <p:extLst>
+              <p:ext uri="{386F3935-93C4-4BCD-93E2-E3B085C9AB24}">
+                <p16:designElem xmlns:p16="http://schemas.microsoft.com/office/powerpoint/2015/main" val="1"/>
+              </p:ext>
+            </p:extLst>
+          </p:nvPr>
+        </p:nvGrpSpPr>
+        <p:grpSpPr>
+          <a:xfrm>
+            <a:off x="9206969" y="2963333"/>
+            <a:ext cx="2981858" cy="3208867"/>
+            <a:chOff x="9206969" y="2963333"/>
+            <a:chExt cx="2981858" cy="3208867"/>
+          </a:xfrm>
+        </p:grpSpPr>
+        <p:cxnSp>
+          <p:nvCxnSpPr>
+            <p:cNvPr id="130" name="Straight Connector 129">
+              <a:extLst>
+                <a:ext uri="{FF2B5EF4-FFF2-40B4-BE49-F238E27FC236}">
+                  <a16:creationId xmlns:a16="http://schemas.microsoft.com/office/drawing/2014/main" id="{1224BF71-948F-411D-AA79-8B2315715197}"/>
+                </a:ext>
+              </a:extLst>
+            </p:cNvPr>
+            <p:cNvCxnSpPr/>
+            <p:nvPr>
+              <p:extLst>
+                <p:ext uri="{386F3935-93C4-4BCD-93E2-E3B085C9AB24}">
+                  <p16:designElem xmlns:p16="http://schemas.microsoft.com/office/powerpoint/2015/main" val="1"/>
+                </p:ext>
+              </p:extLst>
+            </p:nvPr>
+          </p:nvCxnSpPr>
+          <p:spPr>
+            <a:xfrm flipH="1">
+              <a:off x="11276012" y="2963333"/>
+              <a:ext cx="912814" cy="912812"/>
+            </a:xfrm>
+            <a:prstGeom prst="line">
+              <a:avLst/>
+            </a:prstGeom>
+            <a:ln w="9525">
+              <a:solidFill>
+                <a:srgbClr val="FFFFFF"/>
+              </a:solidFill>
+            </a:ln>
+          </p:spPr>
+          <p:style>
+            <a:lnRef idx="2">
+              <a:schemeClr val="accent1"/>
+            </a:lnRef>
+            <a:fillRef idx="0">
+              <a:schemeClr val="accent1"/>
+            </a:fillRef>
+            <a:effectRef idx="1">
+              <a:schemeClr val="accent1"/>
+            </a:effectRef>
+            <a:fontRef idx="minor">
+              <a:schemeClr val="tx1"/>
+            </a:fontRef>
+          </p:style>
+        </p:cxnSp>
+        <p:cxnSp>
+          <p:nvCxnSpPr>
+            <p:cNvPr id="131" name="Straight Connector 130">
+              <a:extLst>
+                <a:ext uri="{FF2B5EF4-FFF2-40B4-BE49-F238E27FC236}">
+                  <a16:creationId xmlns:a16="http://schemas.microsoft.com/office/drawing/2014/main" id="{434B4526-E715-4199-A597-CD757CB4A026}"/>
+                </a:ext>
+              </a:extLst>
+            </p:cNvPr>
+            <p:cNvCxnSpPr/>
+            <p:nvPr>
+              <p:extLst>
+                <p:ext uri="{386F3935-93C4-4BCD-93E2-E3B085C9AB24}">
+                  <p16:designElem xmlns:p16="http://schemas.microsoft.com/office/powerpoint/2015/main" val="1"/>
+                </p:ext>
+              </p:extLst>
+            </p:nvPr>
+          </p:nvCxnSpPr>
+          <p:spPr>
+            <a:xfrm flipH="1">
+              <a:off x="9206969" y="3190344"/>
+              <a:ext cx="2981857" cy="2981856"/>
+            </a:xfrm>
+            <a:prstGeom prst="line">
+              <a:avLst/>
+            </a:prstGeom>
+            <a:ln w="9525">
+              <a:solidFill>
+                <a:srgbClr val="FFFFFF"/>
+              </a:solidFill>
+            </a:ln>
+          </p:spPr>
+          <p:style>
+            <a:lnRef idx="2">
+              <a:schemeClr val="accent1"/>
+            </a:lnRef>
+            <a:fillRef idx="0">
+              <a:schemeClr val="accent1"/>
+            </a:fillRef>
+            <a:effectRef idx="1">
+              <a:schemeClr val="accent1"/>
+            </a:effectRef>
+            <a:fontRef idx="minor">
+              <a:schemeClr val="tx1"/>
+            </a:fontRef>
+          </p:style>
+        </p:cxnSp>
+        <p:cxnSp>
+          <p:nvCxnSpPr>
+            <p:cNvPr id="132" name="Straight Connector 131">
+              <a:extLst>
+                <a:ext uri="{FF2B5EF4-FFF2-40B4-BE49-F238E27FC236}">
+                  <a16:creationId xmlns:a16="http://schemas.microsoft.com/office/drawing/2014/main" id="{35E295A6-48D5-4F9E-A32C-5D87EAA5E7E7}"/>
+                </a:ext>
+              </a:extLst>
+            </p:cNvPr>
+            <p:cNvCxnSpPr/>
+            <p:nvPr>
+              <p:extLst>
+                <p:ext uri="{386F3935-93C4-4BCD-93E2-E3B085C9AB24}">
+                  <p16:designElem xmlns:p16="http://schemas.microsoft.com/office/powerpoint/2015/main" val="1"/>
+                </p:ext>
+              </p:extLst>
+            </p:nvPr>
+          </p:nvCxnSpPr>
+          <p:spPr>
+            <a:xfrm flipH="1">
+              <a:off x="10292292" y="3285067"/>
+              <a:ext cx="1896534" cy="1896533"/>
+            </a:xfrm>
+            <a:prstGeom prst="line">
+              <a:avLst/>
+            </a:prstGeom>
+            <a:ln w="9525">
+              <a:solidFill>
+                <a:srgbClr val="FFFFFF"/>
+              </a:solidFill>
+            </a:ln>
+          </p:spPr>
+          <p:style>
+            <a:lnRef idx="2">
+              <a:schemeClr val="accent1"/>
+            </a:lnRef>
+            <a:fillRef idx="0">
+              <a:schemeClr val="accent1"/>
+            </a:fillRef>
+            <a:effectRef idx="1">
+              <a:schemeClr val="accent1"/>
+            </a:effectRef>
+            <a:fontRef idx="minor">
+              <a:schemeClr val="tx1"/>
+            </a:fontRef>
+          </p:style>
+        </p:cxnSp>
+        <p:cxnSp>
+          <p:nvCxnSpPr>
+            <p:cNvPr id="133" name="Straight Connector 132">
+              <a:extLst>
+                <a:ext uri="{FF2B5EF4-FFF2-40B4-BE49-F238E27FC236}">
+                  <a16:creationId xmlns:a16="http://schemas.microsoft.com/office/drawing/2014/main" id="{E10BF5B3-9260-4D36-BB24-07BC414B9D49}"/>
+                </a:ext>
+              </a:extLst>
+            </p:cNvPr>
+            <p:cNvCxnSpPr/>
+            <p:nvPr>
+              <p:extLst>
+                <p:ext uri="{386F3935-93C4-4BCD-93E2-E3B085C9AB24}">
+                  <p16:designElem xmlns:p16="http://schemas.microsoft.com/office/powerpoint/2015/main" val="1"/>
+                </p:ext>
+              </p:extLst>
+            </p:nvPr>
+          </p:nvCxnSpPr>
+          <p:spPr>
+            <a:xfrm flipH="1">
+              <a:off x="10443103" y="3131080"/>
+              <a:ext cx="1745722" cy="1745720"/>
+            </a:xfrm>
+            <a:prstGeom prst="line">
+              <a:avLst/>
+            </a:prstGeom>
+            <a:ln w="28575">
+              <a:solidFill>
+                <a:srgbClr val="FFFFFF"/>
+              </a:solidFill>
+            </a:ln>
+          </p:spPr>
+          <p:style>
+            <a:lnRef idx="2">
+              <a:schemeClr val="accent1"/>
+            </a:lnRef>
+            <a:fillRef idx="0">
+              <a:schemeClr val="accent1"/>
+            </a:fillRef>
+            <a:effectRef idx="1">
+              <a:schemeClr val="accent1"/>
+            </a:effectRef>
+            <a:fontRef idx="minor">
+              <a:schemeClr val="tx1"/>
+            </a:fontRef>
+          </p:style>
+        </p:cxnSp>
+        <p:cxnSp>
+          <p:nvCxnSpPr>
+            <p:cNvPr id="134" name="Straight Connector 133">
+              <a:extLst>
+                <a:ext uri="{FF2B5EF4-FFF2-40B4-BE49-F238E27FC236}">
+                  <a16:creationId xmlns:a16="http://schemas.microsoft.com/office/drawing/2014/main" id="{AAE0C886-FA2E-4E7C-BC00-8397AAEC865E}"/>
+                </a:ext>
+              </a:extLst>
+            </p:cNvPr>
+            <p:cNvCxnSpPr/>
+            <p:nvPr>
+              <p:extLst>
+                <p:ext uri="{386F3935-93C4-4BCD-93E2-E3B085C9AB24}">
+                  <p16:designElem xmlns:p16="http://schemas.microsoft.com/office/powerpoint/2015/main" val="1"/>
+                </p:ext>
+              </p:extLst>
+            </p:nvPr>
+          </p:nvCxnSpPr>
+          <p:spPr>
+            <a:xfrm flipH="1">
+              <a:off x="10918826" y="3683001"/>
+              <a:ext cx="1270001" cy="1269999"/>
+            </a:xfrm>
+            <a:prstGeom prst="line">
+              <a:avLst/>
+            </a:prstGeom>
+            <a:ln w="28575">
+              <a:solidFill>
+                <a:srgbClr val="FFFFFF"/>
+              </a:solidFill>
+            </a:ln>
+          </p:spPr>
+          <p:style>
+            <a:lnRef idx="2">
+              <a:schemeClr val="accent1"/>
+            </a:lnRef>
+            <a:fillRef idx="0">
+              <a:schemeClr val="accent1"/>
+            </a:fillRef>
+            <a:effectRef idx="1">
+              <a:schemeClr val="accent1"/>
+            </a:effectRef>
+            <a:fontRef idx="minor">
+              <a:schemeClr val="tx1"/>
+            </a:fontRef>
+          </p:style>
+        </p:cxnSp>
+      </p:grpSp>
+      <p:pic>
+        <p:nvPicPr>
+          <p:cNvPr id="6" name="Immagine 5" descr="Immagine che contiene testo&#10;&#10;Descrizione generata con affidabilità molto elevata">
+            <a:extLst>
+              <a:ext uri="{FF2B5EF4-FFF2-40B4-BE49-F238E27FC236}">
+                <a16:creationId xmlns:a16="http://schemas.microsoft.com/office/drawing/2014/main" id="{AB08250B-9DDA-4A58-958A-6770214AEE85}"/>
+              </a:ext>
+            </a:extLst>
+          </p:cNvPr>
+          <p:cNvPicPr>
+            <a:picLocks noChangeAspect="1"/>
+          </p:cNvPicPr>
+          <p:nvPr/>
+        </p:nvPicPr>
+        <p:blipFill>
+          <a:blip r:embed="rId2">
+            <a:extLst>
+              <a:ext uri="{28A0092B-C50C-407E-A947-70E740481C1C}">
+                <a14:useLocalDpi xmlns:a14="http://schemas.microsoft.com/office/drawing/2010/main" val="0"/>
+              </a:ext>
+            </a:extLst>
+          </a:blip>
+          <a:stretch>
+            <a:fillRect/>
+          </a:stretch>
+        </p:blipFill>
+        <p:spPr>
+          <a:xfrm>
+            <a:off x="1021973" y="906645"/>
+            <a:ext cx="5406394" cy="5000915"/>
+          </a:xfrm>
+          <a:prstGeom prst="rect">
+            <a:avLst/>
+          </a:prstGeom>
+        </p:spPr>
+      </p:pic>
       <p:sp>
         <p:nvSpPr>
           <p:cNvPr id="2" name="Titolo 1">
             <a:extLst>
               <a:ext uri="{FF2B5EF4-FFF2-40B4-BE49-F238E27FC236}">
-                <a16:creationId xmlns:a16="http://schemas.microsoft.com/office/drawing/2014/main" id="{375ED324-29D7-4A6C-81F9-8E7AE60D5F26}"/>
+                <a16:creationId xmlns:a16="http://schemas.microsoft.com/office/drawing/2014/main" id="{9CF06705-7C94-41DB-8A46-7CDC39C58B71}"/>
               </a:ext>
             </a:extLst>
           </p:cNvPr>
@@ -5667,18 +6474,22 @@
         </p:nvSpPr>
         <p:spPr>
           <a:xfrm>
-            <a:off x="549988" y="486561"/>
-            <a:ext cx="8534400" cy="600278"/>
+            <a:off x="7532710" y="628617"/>
+            <a:ext cx="3971902" cy="3028983"/>
           </a:xfrm>
         </p:spPr>
         <p:txBody>
-          <a:bodyPr>
-            <a:normAutofit fontScale="90000"/>
+          <a:bodyPr vert="horz" lIns="91440" tIns="45720" rIns="91440" bIns="45720" rtlCol="0" anchor="b">
+            <a:normAutofit/>
           </a:bodyPr>
           <a:lstStyle/>
           <a:p>
             <a:r>
-              <a:rPr lang="it-IT" dirty="0"/>
+              <a:rPr lang="en-US" sz="4800">
+                <a:solidFill>
+                  <a:srgbClr val="FFFFFF"/>
+                </a:solidFill>
+              </a:rPr>
               <a:t>UML Model</a:t>
             </a:r>
           </a:p>
@@ -5687,12 +6498,12 @@
     </p:spTree>
     <p:extLst>
       <p:ext uri="{BB962C8B-B14F-4D97-AF65-F5344CB8AC3E}">
-        <p14:creationId xmlns:p14="http://schemas.microsoft.com/office/powerpoint/2010/main" val="2692793974"/>
+        <p14:creationId xmlns:p14="http://schemas.microsoft.com/office/powerpoint/2010/main" val="1518777403"/>
       </p:ext>
     </p:extLst>
   </p:cSld>
   <p:clrMapOvr>
-    <a:masterClrMapping/>
+    <a:overrideClrMapping bg1="lt1" tx1="dk1" bg2="lt2" tx2="dk2" accent1="accent1" accent2="accent2" accent3="accent3" accent4="accent4" accent5="accent5" accent6="accent6" hlink="hlink" folHlink="folHlink"/>
   </p:clrMapOvr>
 </p:sld>
 </file>
@@ -5700,6 +6511,14 @@
 <file path=ppt/slides/slide4.xml><?xml version="1.0" encoding="utf-8"?>
 <p:sld xmlns:a="http://schemas.openxmlformats.org/drawingml/2006/main" xmlns:r="http://schemas.openxmlformats.org/officeDocument/2006/relationships" xmlns:p="http://schemas.openxmlformats.org/presentationml/2006/main">
   <p:cSld>
+    <p:bg>
+      <p:bgPr>
+        <a:solidFill>
+          <a:schemeClr val="bg1"/>
+        </a:solidFill>
+        <a:effectLst/>
+      </p:bgPr>
+    </p:bg>
     <p:spTree>
       <p:nvGrpSpPr>
         <p:cNvPr id="1" name=""/>
@@ -5714,6 +6533,675 @@
           <a:chExt cx="0" cy="0"/>
         </a:xfrm>
       </p:grpSpPr>
+      <p:cxnSp>
+        <p:nvCxnSpPr>
+          <p:cNvPr id="9" name="Straight Connector 8">
+            <a:extLst>
+              <a:ext uri="{FF2B5EF4-FFF2-40B4-BE49-F238E27FC236}">
+                <a16:creationId xmlns:a16="http://schemas.microsoft.com/office/drawing/2014/main" id="{0512F9CB-A1A0-4043-A103-F6A4B94B695A}"/>
+              </a:ext>
+            </a:extLst>
+          </p:cNvPr>
+          <p:cNvCxnSpPr>
+            <a:cxnSpLocks noGrp="1" noRot="1" noChangeAspect="1" noMove="1" noResize="1" noEditPoints="1" noAdjustHandles="1" noChangeArrowheads="1" noChangeShapeType="1"/>
+          </p:cNvCxnSpPr>
+          <p:nvPr>
+            <p:extLst>
+              <p:ext uri="{386F3935-93C4-4BCD-93E2-E3B085C9AB24}">
+                <p16:designElem xmlns:p16="http://schemas.microsoft.com/office/powerpoint/2015/main" val="1"/>
+              </p:ext>
+            </p:extLst>
+          </p:nvPr>
+        </p:nvCxnSpPr>
+        <p:spPr>
+          <a:xfrm flipH="1">
+            <a:off x="8228012" y="8467"/>
+            <a:ext cx="3810000" cy="3810000"/>
+          </a:xfrm>
+          <a:prstGeom prst="line">
+            <a:avLst/>
+          </a:prstGeom>
+          <a:ln w="12700">
+            <a:solidFill>
+              <a:schemeClr val="tx1"/>
+            </a:solidFill>
+          </a:ln>
+        </p:spPr>
+        <p:style>
+          <a:lnRef idx="2">
+            <a:schemeClr val="accent1"/>
+          </a:lnRef>
+          <a:fillRef idx="0">
+            <a:schemeClr val="accent1"/>
+          </a:fillRef>
+          <a:effectRef idx="1">
+            <a:schemeClr val="accent1"/>
+          </a:effectRef>
+          <a:fontRef idx="minor">
+            <a:schemeClr val="tx1"/>
+          </a:fontRef>
+        </p:style>
+      </p:cxnSp>
+      <p:cxnSp>
+        <p:nvCxnSpPr>
+          <p:cNvPr id="11" name="Straight Connector 10">
+            <a:extLst>
+              <a:ext uri="{FF2B5EF4-FFF2-40B4-BE49-F238E27FC236}">
+                <a16:creationId xmlns:a16="http://schemas.microsoft.com/office/drawing/2014/main" id="{ADBE6588-EE16-4389-857C-86A156D49E5D}"/>
+              </a:ext>
+            </a:extLst>
+          </p:cNvPr>
+          <p:cNvCxnSpPr>
+            <a:cxnSpLocks noGrp="1" noRot="1" noChangeAspect="1" noMove="1" noResize="1" noEditPoints="1" noAdjustHandles="1" noChangeArrowheads="1" noChangeShapeType="1"/>
+          </p:cNvCxnSpPr>
+          <p:nvPr>
+            <p:extLst>
+              <p:ext uri="{386F3935-93C4-4BCD-93E2-E3B085C9AB24}">
+                <p16:designElem xmlns:p16="http://schemas.microsoft.com/office/powerpoint/2015/main" val="1"/>
+              </p:ext>
+            </p:extLst>
+          </p:nvPr>
+        </p:nvCxnSpPr>
+        <p:spPr>
+          <a:xfrm flipH="1">
+            <a:off x="6108170" y="91545"/>
+            <a:ext cx="6080655" cy="6080655"/>
+          </a:xfrm>
+          <a:prstGeom prst="line">
+            <a:avLst/>
+          </a:prstGeom>
+          <a:ln w="12700">
+            <a:solidFill>
+              <a:schemeClr val="tx1"/>
+            </a:solidFill>
+          </a:ln>
+        </p:spPr>
+        <p:style>
+          <a:lnRef idx="2">
+            <a:schemeClr val="accent1"/>
+          </a:lnRef>
+          <a:fillRef idx="0">
+            <a:schemeClr val="accent1"/>
+          </a:fillRef>
+          <a:effectRef idx="1">
+            <a:schemeClr val="accent1"/>
+          </a:effectRef>
+          <a:fontRef idx="minor">
+            <a:schemeClr val="tx1"/>
+          </a:fontRef>
+        </p:style>
+      </p:cxnSp>
+      <p:cxnSp>
+        <p:nvCxnSpPr>
+          <p:cNvPr id="13" name="Straight Connector 12">
+            <a:extLst>
+              <a:ext uri="{FF2B5EF4-FFF2-40B4-BE49-F238E27FC236}">
+                <a16:creationId xmlns:a16="http://schemas.microsoft.com/office/drawing/2014/main" id="{17FD48D2-B0A7-413D-B947-AA55AC1296D5}"/>
+              </a:ext>
+            </a:extLst>
+          </p:cNvPr>
+          <p:cNvCxnSpPr>
+            <a:cxnSpLocks noGrp="1" noRot="1" noChangeAspect="1" noMove="1" noResize="1" noEditPoints="1" noAdjustHandles="1" noChangeArrowheads="1" noChangeShapeType="1"/>
+          </p:cNvCxnSpPr>
+          <p:nvPr>
+            <p:extLst>
+              <p:ext uri="{386F3935-93C4-4BCD-93E2-E3B085C9AB24}">
+                <p16:designElem xmlns:p16="http://schemas.microsoft.com/office/powerpoint/2015/main" val="1"/>
+              </p:ext>
+            </p:extLst>
+          </p:nvPr>
+        </p:nvCxnSpPr>
+        <p:spPr>
+          <a:xfrm flipH="1">
+            <a:off x="7235825" y="228600"/>
+            <a:ext cx="4953000" cy="4953000"/>
+          </a:xfrm>
+          <a:prstGeom prst="line">
+            <a:avLst/>
+          </a:prstGeom>
+          <a:ln w="12700">
+            <a:solidFill>
+              <a:schemeClr val="tx1"/>
+            </a:solidFill>
+          </a:ln>
+        </p:spPr>
+        <p:style>
+          <a:lnRef idx="2">
+            <a:schemeClr val="accent1"/>
+          </a:lnRef>
+          <a:fillRef idx="0">
+            <a:schemeClr val="accent1"/>
+          </a:fillRef>
+          <a:effectRef idx="1">
+            <a:schemeClr val="accent1"/>
+          </a:effectRef>
+          <a:fontRef idx="minor">
+            <a:schemeClr val="tx1"/>
+          </a:fontRef>
+        </p:style>
+      </p:cxnSp>
+      <p:cxnSp>
+        <p:nvCxnSpPr>
+          <p:cNvPr id="15" name="Straight Connector 14">
+            <a:extLst>
+              <a:ext uri="{FF2B5EF4-FFF2-40B4-BE49-F238E27FC236}">
+                <a16:creationId xmlns:a16="http://schemas.microsoft.com/office/drawing/2014/main" id="{2BE668D0-D906-4EEE-B32F-8C028624B837}"/>
+              </a:ext>
+            </a:extLst>
+          </p:cNvPr>
+          <p:cNvCxnSpPr>
+            <a:cxnSpLocks noGrp="1" noRot="1" noChangeAspect="1" noMove="1" noResize="1" noEditPoints="1" noAdjustHandles="1" noChangeArrowheads="1" noChangeShapeType="1"/>
+          </p:cNvCxnSpPr>
+          <p:nvPr>
+            <p:extLst>
+              <p:ext uri="{386F3935-93C4-4BCD-93E2-E3B085C9AB24}">
+                <p16:designElem xmlns:p16="http://schemas.microsoft.com/office/powerpoint/2015/main" val="1"/>
+              </p:ext>
+            </p:extLst>
+          </p:nvPr>
+        </p:nvCxnSpPr>
+        <p:spPr>
+          <a:xfrm flipH="1">
+            <a:off x="7335837" y="32278"/>
+            <a:ext cx="4852989" cy="4852989"/>
+          </a:xfrm>
+          <a:prstGeom prst="line">
+            <a:avLst/>
+          </a:prstGeom>
+          <a:ln w="31750">
+            <a:solidFill>
+              <a:schemeClr val="tx1"/>
+            </a:solidFill>
+          </a:ln>
+        </p:spPr>
+        <p:style>
+          <a:lnRef idx="2">
+            <a:schemeClr val="accent1"/>
+          </a:lnRef>
+          <a:fillRef idx="0">
+            <a:schemeClr val="accent1"/>
+          </a:fillRef>
+          <a:effectRef idx="1">
+            <a:schemeClr val="accent1"/>
+          </a:effectRef>
+          <a:fontRef idx="minor">
+            <a:schemeClr val="tx1"/>
+          </a:fontRef>
+        </p:style>
+      </p:cxnSp>
+      <p:cxnSp>
+        <p:nvCxnSpPr>
+          <p:cNvPr id="17" name="Straight Connector 16">
+            <a:extLst>
+              <a:ext uri="{FF2B5EF4-FFF2-40B4-BE49-F238E27FC236}">
+                <a16:creationId xmlns:a16="http://schemas.microsoft.com/office/drawing/2014/main" id="{D1DE67A3-B8F6-4CFD-A8E0-D15200F23152}"/>
+              </a:ext>
+            </a:extLst>
+          </p:cNvPr>
+          <p:cNvCxnSpPr>
+            <a:cxnSpLocks noGrp="1" noRot="1" noChangeAspect="1" noMove="1" noResize="1" noEditPoints="1" noAdjustHandles="1" noChangeArrowheads="1" noChangeShapeType="1"/>
+          </p:cNvCxnSpPr>
+          <p:nvPr>
+            <p:extLst>
+              <p:ext uri="{386F3935-93C4-4BCD-93E2-E3B085C9AB24}">
+                <p16:designElem xmlns:p16="http://schemas.microsoft.com/office/powerpoint/2015/main" val="1"/>
+              </p:ext>
+            </p:extLst>
+          </p:nvPr>
+        </p:nvCxnSpPr>
+        <p:spPr>
+          <a:xfrm flipH="1">
+            <a:off x="7845426" y="609601"/>
+            <a:ext cx="4343399" cy="4343399"/>
+          </a:xfrm>
+          <a:prstGeom prst="line">
+            <a:avLst/>
+          </a:prstGeom>
+          <a:ln w="31750">
+            <a:solidFill>
+              <a:schemeClr val="tx1"/>
+            </a:solidFill>
+          </a:ln>
+        </p:spPr>
+        <p:style>
+          <a:lnRef idx="2">
+            <a:schemeClr val="accent1"/>
+          </a:lnRef>
+          <a:fillRef idx="0">
+            <a:schemeClr val="accent1"/>
+          </a:fillRef>
+          <a:effectRef idx="1">
+            <a:schemeClr val="accent1"/>
+          </a:effectRef>
+          <a:fontRef idx="minor">
+            <a:schemeClr val="tx1"/>
+          </a:fontRef>
+        </p:style>
+      </p:cxnSp>
+      <p:sp>
+        <p:nvSpPr>
+          <p:cNvPr id="19" name="Rectangle 18">
+            <a:extLst>
+              <a:ext uri="{FF2B5EF4-FFF2-40B4-BE49-F238E27FC236}">
+                <a16:creationId xmlns:a16="http://schemas.microsoft.com/office/drawing/2014/main" id="{C6F269C0-E938-4ACE-9291-680DA455A47A}"/>
+              </a:ext>
+            </a:extLst>
+          </p:cNvPr>
+          <p:cNvSpPr>
+            <a:spLocks noGrp="1" noRot="1" noChangeAspect="1" noMove="1" noResize="1" noEditPoints="1" noAdjustHandles="1" noChangeArrowheads="1" noChangeShapeType="1" noTextEdit="1"/>
+          </p:cNvSpPr>
+          <p:nvPr>
+            <p:extLst>
+              <p:ext uri="{386F3935-93C4-4BCD-93E2-E3B085C9AB24}">
+                <p16:designElem xmlns:p16="http://schemas.microsoft.com/office/powerpoint/2015/main" val="1"/>
+              </p:ext>
+            </p:extLst>
+          </p:nvPr>
+        </p:nvSpPr>
+        <p:spPr>
+          <a:xfrm>
+            <a:off x="0" y="0"/>
+            <a:ext cx="12192000" cy="6858000"/>
+          </a:xfrm>
+          <a:prstGeom prst="rect">
+            <a:avLst/>
+          </a:prstGeom>
+          <a:ln>
+            <a:noFill/>
+          </a:ln>
+        </p:spPr>
+        <p:style>
+          <a:lnRef idx="2">
+            <a:schemeClr val="accent1">
+              <a:shade val="50000"/>
+            </a:schemeClr>
+          </a:lnRef>
+          <a:fillRef idx="1002">
+            <a:schemeClr val="dk2"/>
+          </a:fillRef>
+          <a:effectRef idx="0">
+            <a:schemeClr val="accent1"/>
+          </a:effectRef>
+          <a:fontRef idx="minor">
+            <a:schemeClr val="lt1"/>
+          </a:fontRef>
+        </p:style>
+        <p:txBody>
+          <a:bodyPr rtlCol="0" anchor="ctr"/>
+          <a:lstStyle/>
+          <a:p>
+            <a:pPr algn="ctr"/>
+            <a:endParaRPr lang="en-US"/>
+          </a:p>
+        </p:txBody>
+      </p:sp>
+      <p:sp useBgFill="1">
+        <p:nvSpPr>
+          <p:cNvPr id="21" name="Snip Diagonal Corner Rectangle 6">
+            <a:extLst>
+              <a:ext uri="{FF2B5EF4-FFF2-40B4-BE49-F238E27FC236}">
+                <a16:creationId xmlns:a16="http://schemas.microsoft.com/office/drawing/2014/main" id="{353910D8-86D8-4812-AACB-F5860956EB60}"/>
+              </a:ext>
+            </a:extLst>
+          </p:cNvPr>
+          <p:cNvSpPr>
+            <a:spLocks noGrp="1" noRot="1" noChangeAspect="1" noMove="1" noResize="1" noEditPoints="1" noAdjustHandles="1" noChangeArrowheads="1" noChangeShapeType="1" noTextEdit="1"/>
+          </p:cNvSpPr>
+          <p:nvPr>
+            <p:extLst>
+              <p:ext uri="{386F3935-93C4-4BCD-93E2-E3B085C9AB24}">
+                <p16:designElem xmlns:p16="http://schemas.microsoft.com/office/powerpoint/2015/main" val="1"/>
+              </p:ext>
+            </p:extLst>
+          </p:nvPr>
+        </p:nvSpPr>
+        <p:spPr>
+          <a:xfrm>
+            <a:off x="634000" y="620722"/>
+            <a:ext cx="4977369" cy="5286838"/>
+          </a:xfrm>
+          <a:prstGeom prst="snip2DiagRect">
+            <a:avLst>
+              <a:gd name="adj1" fmla="val 9763"/>
+              <a:gd name="adj2" fmla="val 0"/>
+            </a:avLst>
+          </a:prstGeom>
+          <a:ln>
+            <a:noFill/>
+          </a:ln>
+          <a:effectLst>
+            <a:innerShdw blurRad="57150" dist="38100" dir="14460000">
+              <a:prstClr val="black">
+                <a:alpha val="70000"/>
+              </a:prstClr>
+            </a:innerShdw>
+          </a:effectLst>
+        </p:spPr>
+        <p:style>
+          <a:lnRef idx="2">
+            <a:schemeClr val="accent1">
+              <a:shade val="50000"/>
+            </a:schemeClr>
+          </a:lnRef>
+          <a:fillRef idx="1">
+            <a:schemeClr val="accent1"/>
+          </a:fillRef>
+          <a:effectRef idx="0">
+            <a:schemeClr val="accent1"/>
+          </a:effectRef>
+          <a:fontRef idx="minor">
+            <a:schemeClr val="lt1"/>
+          </a:fontRef>
+        </p:style>
+        <p:txBody>
+          <a:bodyPr rtlCol="0" anchor="ctr"/>
+          <a:lstStyle/>
+          <a:p>
+            <a:pPr algn="ctr"/>
+            <a:endParaRPr lang="en-US"/>
+          </a:p>
+        </p:txBody>
+      </p:sp>
+      <p:grpSp>
+        <p:nvGrpSpPr>
+          <p:cNvPr id="57" name="Group 22">
+            <a:extLst>
+              <a:ext uri="{FF2B5EF4-FFF2-40B4-BE49-F238E27FC236}">
+                <a16:creationId xmlns:a16="http://schemas.microsoft.com/office/drawing/2014/main" id="{B0DDB13E-0746-49BA-B832-3DBEF6AB5ED7}"/>
+              </a:ext>
+            </a:extLst>
+          </p:cNvPr>
+          <p:cNvGrpSpPr>
+            <a:grpSpLocks noGrp="1" noUngrp="1" noRot="1" noChangeAspect="1" noMove="1" noResize="1"/>
+          </p:cNvGrpSpPr>
+          <p:nvPr>
+            <p:extLst>
+              <p:ext uri="{386F3935-93C4-4BCD-93E2-E3B085C9AB24}">
+                <p16:designElem xmlns:p16="http://schemas.microsoft.com/office/powerpoint/2015/main" val="1"/>
+              </p:ext>
+            </p:extLst>
+          </p:nvPr>
+        </p:nvGrpSpPr>
+        <p:grpSpPr>
+          <a:xfrm>
+            <a:off x="9206969" y="2963333"/>
+            <a:ext cx="2981858" cy="3208867"/>
+            <a:chOff x="9206969" y="2963333"/>
+            <a:chExt cx="2981858" cy="3208867"/>
+          </a:xfrm>
+        </p:grpSpPr>
+        <p:cxnSp>
+          <p:nvCxnSpPr>
+            <p:cNvPr id="24" name="Straight Connector 23">
+              <a:extLst>
+                <a:ext uri="{FF2B5EF4-FFF2-40B4-BE49-F238E27FC236}">
+                  <a16:creationId xmlns:a16="http://schemas.microsoft.com/office/drawing/2014/main" id="{675ABE57-032A-4BDB-8DA5-921E3A265759}"/>
+                </a:ext>
+              </a:extLst>
+            </p:cNvPr>
+            <p:cNvCxnSpPr/>
+            <p:nvPr>
+              <p:extLst>
+                <p:ext uri="{386F3935-93C4-4BCD-93E2-E3B085C9AB24}">
+                  <p16:designElem xmlns:p16="http://schemas.microsoft.com/office/powerpoint/2015/main" val="1"/>
+                </p:ext>
+              </p:extLst>
+            </p:nvPr>
+          </p:nvCxnSpPr>
+          <p:spPr>
+            <a:xfrm flipH="1">
+              <a:off x="11276012" y="2963333"/>
+              <a:ext cx="912814" cy="912812"/>
+            </a:xfrm>
+            <a:prstGeom prst="line">
+              <a:avLst/>
+            </a:prstGeom>
+            <a:ln w="9525">
+              <a:solidFill>
+                <a:srgbClr val="FFFFFF"/>
+              </a:solidFill>
+            </a:ln>
+          </p:spPr>
+          <p:style>
+            <a:lnRef idx="2">
+              <a:schemeClr val="accent1"/>
+            </a:lnRef>
+            <a:fillRef idx="0">
+              <a:schemeClr val="accent1"/>
+            </a:fillRef>
+            <a:effectRef idx="1">
+              <a:schemeClr val="accent1"/>
+            </a:effectRef>
+            <a:fontRef idx="minor">
+              <a:schemeClr val="tx1"/>
+            </a:fontRef>
+          </p:style>
+        </p:cxnSp>
+        <p:cxnSp>
+          <p:nvCxnSpPr>
+            <p:cNvPr id="25" name="Straight Connector 24">
+              <a:extLst>
+                <a:ext uri="{FF2B5EF4-FFF2-40B4-BE49-F238E27FC236}">
+                  <a16:creationId xmlns:a16="http://schemas.microsoft.com/office/drawing/2014/main" id="{B1CBD4F3-E4C6-4345-B5B9-225E609D38E9}"/>
+                </a:ext>
+              </a:extLst>
+            </p:cNvPr>
+            <p:cNvCxnSpPr/>
+            <p:nvPr>
+              <p:extLst>
+                <p:ext uri="{386F3935-93C4-4BCD-93E2-E3B085C9AB24}">
+                  <p16:designElem xmlns:p16="http://schemas.microsoft.com/office/powerpoint/2015/main" val="1"/>
+                </p:ext>
+              </p:extLst>
+            </p:nvPr>
+          </p:nvCxnSpPr>
+          <p:spPr>
+            <a:xfrm flipH="1">
+              <a:off x="9206969" y="3190344"/>
+              <a:ext cx="2981857" cy="2981856"/>
+            </a:xfrm>
+            <a:prstGeom prst="line">
+              <a:avLst/>
+            </a:prstGeom>
+            <a:ln w="9525">
+              <a:solidFill>
+                <a:srgbClr val="FFFFFF"/>
+              </a:solidFill>
+            </a:ln>
+          </p:spPr>
+          <p:style>
+            <a:lnRef idx="2">
+              <a:schemeClr val="accent1"/>
+            </a:lnRef>
+            <a:fillRef idx="0">
+              <a:schemeClr val="accent1"/>
+            </a:fillRef>
+            <a:effectRef idx="1">
+              <a:schemeClr val="accent1"/>
+            </a:effectRef>
+            <a:fontRef idx="minor">
+              <a:schemeClr val="tx1"/>
+            </a:fontRef>
+          </p:style>
+        </p:cxnSp>
+        <p:cxnSp>
+          <p:nvCxnSpPr>
+            <p:cNvPr id="26" name="Straight Connector 25">
+              <a:extLst>
+                <a:ext uri="{FF2B5EF4-FFF2-40B4-BE49-F238E27FC236}">
+                  <a16:creationId xmlns:a16="http://schemas.microsoft.com/office/drawing/2014/main" id="{3AD7E20A-1B41-40E2-9927-FD6E3E09DF6B}"/>
+                </a:ext>
+              </a:extLst>
+            </p:cNvPr>
+            <p:cNvCxnSpPr/>
+            <p:nvPr>
+              <p:extLst>
+                <p:ext uri="{386F3935-93C4-4BCD-93E2-E3B085C9AB24}">
+                  <p16:designElem xmlns:p16="http://schemas.microsoft.com/office/powerpoint/2015/main" val="1"/>
+                </p:ext>
+              </p:extLst>
+            </p:nvPr>
+          </p:nvCxnSpPr>
+          <p:spPr>
+            <a:xfrm flipH="1">
+              <a:off x="10292292" y="3285067"/>
+              <a:ext cx="1896534" cy="1896533"/>
+            </a:xfrm>
+            <a:prstGeom prst="line">
+              <a:avLst/>
+            </a:prstGeom>
+            <a:ln w="9525">
+              <a:solidFill>
+                <a:srgbClr val="FFFFFF"/>
+              </a:solidFill>
+            </a:ln>
+          </p:spPr>
+          <p:style>
+            <a:lnRef idx="2">
+              <a:schemeClr val="accent1"/>
+            </a:lnRef>
+            <a:fillRef idx="0">
+              <a:schemeClr val="accent1"/>
+            </a:fillRef>
+            <a:effectRef idx="1">
+              <a:schemeClr val="accent1"/>
+            </a:effectRef>
+            <a:fontRef idx="minor">
+              <a:schemeClr val="tx1"/>
+            </a:fontRef>
+          </p:style>
+        </p:cxnSp>
+        <p:cxnSp>
+          <p:nvCxnSpPr>
+            <p:cNvPr id="27" name="Straight Connector 26">
+              <a:extLst>
+                <a:ext uri="{FF2B5EF4-FFF2-40B4-BE49-F238E27FC236}">
+                  <a16:creationId xmlns:a16="http://schemas.microsoft.com/office/drawing/2014/main" id="{B42C5E4E-9C9A-4C8F-A06F-0C25A124EA87}"/>
+                </a:ext>
+              </a:extLst>
+            </p:cNvPr>
+            <p:cNvCxnSpPr/>
+            <p:nvPr>
+              <p:extLst>
+                <p:ext uri="{386F3935-93C4-4BCD-93E2-E3B085C9AB24}">
+                  <p16:designElem xmlns:p16="http://schemas.microsoft.com/office/powerpoint/2015/main" val="1"/>
+                </p:ext>
+              </p:extLst>
+            </p:nvPr>
+          </p:nvCxnSpPr>
+          <p:spPr>
+            <a:xfrm flipH="1">
+              <a:off x="10443103" y="3131080"/>
+              <a:ext cx="1745722" cy="1745720"/>
+            </a:xfrm>
+            <a:prstGeom prst="line">
+              <a:avLst/>
+            </a:prstGeom>
+            <a:ln w="28575">
+              <a:solidFill>
+                <a:srgbClr val="FFFFFF"/>
+              </a:solidFill>
+            </a:ln>
+          </p:spPr>
+          <p:style>
+            <a:lnRef idx="2">
+              <a:schemeClr val="accent1"/>
+            </a:lnRef>
+            <a:fillRef idx="0">
+              <a:schemeClr val="accent1"/>
+            </a:fillRef>
+            <a:effectRef idx="1">
+              <a:schemeClr val="accent1"/>
+            </a:effectRef>
+            <a:fontRef idx="minor">
+              <a:schemeClr val="tx1"/>
+            </a:fontRef>
+          </p:style>
+        </p:cxnSp>
+        <p:cxnSp>
+          <p:nvCxnSpPr>
+            <p:cNvPr id="28" name="Straight Connector 27">
+              <a:extLst>
+                <a:ext uri="{FF2B5EF4-FFF2-40B4-BE49-F238E27FC236}">
+                  <a16:creationId xmlns:a16="http://schemas.microsoft.com/office/drawing/2014/main" id="{24382779-711D-4169-BCDC-A353BB9E75A2}"/>
+                </a:ext>
+              </a:extLst>
+            </p:cNvPr>
+            <p:cNvCxnSpPr/>
+            <p:nvPr>
+              <p:extLst>
+                <p:ext uri="{386F3935-93C4-4BCD-93E2-E3B085C9AB24}">
+                  <p16:designElem xmlns:p16="http://schemas.microsoft.com/office/powerpoint/2015/main" val="1"/>
+                </p:ext>
+              </p:extLst>
+            </p:nvPr>
+          </p:nvCxnSpPr>
+          <p:spPr>
+            <a:xfrm flipH="1">
+              <a:off x="10918826" y="3683001"/>
+              <a:ext cx="1270001" cy="1269999"/>
+            </a:xfrm>
+            <a:prstGeom prst="line">
+              <a:avLst/>
+            </a:prstGeom>
+            <a:ln w="28575">
+              <a:solidFill>
+                <a:srgbClr val="FFFFFF"/>
+              </a:solidFill>
+            </a:ln>
+          </p:spPr>
+          <p:style>
+            <a:lnRef idx="2">
+              <a:schemeClr val="accent1"/>
+            </a:lnRef>
+            <a:fillRef idx="0">
+              <a:schemeClr val="accent1"/>
+            </a:fillRef>
+            <a:effectRef idx="1">
+              <a:schemeClr val="accent1"/>
+            </a:effectRef>
+            <a:fontRef idx="minor">
+              <a:schemeClr val="tx1"/>
+            </a:fontRef>
+          </p:style>
+        </p:cxnSp>
+      </p:grpSp>
+      <p:pic>
+        <p:nvPicPr>
+          <p:cNvPr id="4" name="Immagine 3" descr="Immagine che contiene testo, mappa&#10;&#10;Descrizione generata con affidabilità molto elevata">
+            <a:extLst>
+              <a:ext uri="{FF2B5EF4-FFF2-40B4-BE49-F238E27FC236}">
+                <a16:creationId xmlns:a16="http://schemas.microsoft.com/office/drawing/2014/main" id="{E2502BA6-B9DB-43DB-9B47-74EA7F078EA8}"/>
+              </a:ext>
+            </a:extLst>
+          </p:cNvPr>
+          <p:cNvPicPr>
+            <a:picLocks noChangeAspect="1"/>
+          </p:cNvPicPr>
+          <p:nvPr/>
+        </p:nvPicPr>
+        <p:blipFill>
+          <a:blip r:embed="rId2">
+            <a:extLst>
+              <a:ext uri="{28A0092B-C50C-407E-A947-70E740481C1C}">
+                <a14:useLocalDpi xmlns:a14="http://schemas.microsoft.com/office/drawing/2010/main" val="0"/>
+              </a:ext>
+            </a:extLst>
+          </a:blip>
+          <a:stretch>
+            <a:fillRect/>
+          </a:stretch>
+        </p:blipFill>
+        <p:spPr>
+          <a:xfrm>
+            <a:off x="947956" y="948110"/>
+            <a:ext cx="4364179" cy="4756599"/>
+          </a:xfrm>
+          <a:prstGeom prst="rect">
+            <a:avLst/>
+          </a:prstGeom>
+        </p:spPr>
+      </p:pic>
       <p:sp>
         <p:nvSpPr>
           <p:cNvPr id="2" name="Titolo 1">
@@ -5732,16 +7220,22 @@
         </p:nvSpPr>
         <p:spPr>
           <a:xfrm>
-            <a:off x="642267" y="419450"/>
-            <a:ext cx="8534400" cy="838899"/>
+            <a:off x="6323806" y="895036"/>
+            <a:ext cx="5408613" cy="3028983"/>
           </a:xfrm>
         </p:spPr>
         <p:txBody>
-          <a:bodyPr/>
-          <a:lstStyle/>
-          <a:p>
-            <a:r>
-              <a:rPr lang="it-IT" dirty="0"/>
+          <a:bodyPr vert="horz" lIns="91440" tIns="45720" rIns="91440" bIns="45720" rtlCol="0" anchor="b">
+            <a:normAutofit/>
+          </a:bodyPr>
+          <a:lstStyle/>
+          <a:p>
+            <a:r>
+              <a:rPr lang="en-US" sz="4800" dirty="0">
+                <a:solidFill>
+                  <a:srgbClr val="FFFFFF"/>
+                </a:solidFill>
+              </a:rPr>
               <a:t>E-R Model</a:t>
             </a:r>
           </a:p>
@@ -5755,7 +7249,7 @@
     </p:extLst>
   </p:cSld>
   <p:clrMapOvr>
-    <a:masterClrMapping/>
+    <a:overrideClrMapping bg1="lt1" tx1="dk1" bg2="lt2" tx2="dk2" accent1="accent1" accent2="accent2" accent3="accent3" accent4="accent4" accent5="accent5" accent6="accent6" hlink="hlink" folHlink="folHlink"/>
   </p:clrMapOvr>
 </p:sld>
 </file>
@@ -5824,8 +7318,8 @@
         </p:nvSpPr>
         <p:spPr>
           <a:xfrm>
-            <a:off x="610109" y="1644242"/>
-            <a:ext cx="8212822" cy="2031325"/>
+            <a:off x="1155394" y="1434517"/>
+            <a:ext cx="8212822" cy="4247317"/>
           </a:xfrm>
           <a:prstGeom prst="rect">
             <a:avLst/>
@@ -5838,13 +7332,41 @@
           </a:bodyPr>
           <a:lstStyle/>
           <a:p>
+            <a:pPr lvl="0"/>
+            <a:r>
+              <a:rPr lang="it-IT" dirty="0"/>
+              <a:t>I casi d’uso che vengono forniti dal sistema sono i seguenti:</a:t>
+            </a:r>
+          </a:p>
+          <a:p>
             <a:pPr marL="342900" lvl="0" indent="-342900">
               <a:buFont typeface="Arial" panose="020B0604020202020204" pitchFamily="34" charset="0"/>
               <a:buChar char="•"/>
             </a:pPr>
+            <a:endParaRPr lang="it-IT" dirty="0"/>
+          </a:p>
+          <a:p>
+            <a:pPr marL="800100" lvl="1" indent="-342900">
+              <a:buFont typeface="Arial" panose="020B0604020202020204" pitchFamily="34" charset="0"/>
+              <a:buChar char="•"/>
+            </a:pPr>
             <a:r>
               <a:rPr lang="it-IT" dirty="0"/>
               <a:t>Registrare un utente</a:t>
+            </a:r>
+          </a:p>
+          <a:p>
+            <a:pPr lvl="0"/>
+            <a:endParaRPr lang="it-IT" dirty="0"/>
+          </a:p>
+          <a:p>
+            <a:pPr marL="800100" lvl="1" indent="-342900">
+              <a:buFont typeface="Arial" panose="020B0604020202020204" pitchFamily="34" charset="0"/>
+              <a:buChar char="•"/>
+            </a:pPr>
+            <a:r>
+              <a:rPr lang="it-IT" dirty="0"/>
+              <a:t>Gestire Esame</a:t>
             </a:r>
           </a:p>
           <a:p>
@@ -5852,9 +7374,16 @@
               <a:buFont typeface="Arial" panose="020B0604020202020204" pitchFamily="34" charset="0"/>
               <a:buChar char="•"/>
             </a:pPr>
+            <a:endParaRPr lang="it-IT" dirty="0"/>
+          </a:p>
+          <a:p>
+            <a:pPr marL="800100" lvl="1" indent="-342900">
+              <a:buFont typeface="Arial" panose="020B0604020202020204" pitchFamily="34" charset="0"/>
+              <a:buChar char="•"/>
+            </a:pPr>
             <a:r>
               <a:rPr lang="it-IT" dirty="0"/>
-              <a:t>Gestire Esame</a:t>
+              <a:t>Modificare il Piano Di Studi</a:t>
             </a:r>
           </a:p>
           <a:p>
@@ -5862,9 +7391,16 @@
               <a:buFont typeface="Arial" panose="020B0604020202020204" pitchFamily="34" charset="0"/>
               <a:buChar char="•"/>
             </a:pPr>
+            <a:endParaRPr lang="it-IT" dirty="0"/>
+          </a:p>
+          <a:p>
+            <a:pPr marL="800100" lvl="1" indent="-342900">
+              <a:buFont typeface="Arial" panose="020B0604020202020204" pitchFamily="34" charset="0"/>
+              <a:buChar char="•"/>
+            </a:pPr>
             <a:r>
               <a:rPr lang="it-IT" dirty="0"/>
-              <a:t>Modificare il Piano Di Studi</a:t>
+              <a:t>Gestire Tasse</a:t>
             </a:r>
           </a:p>
           <a:p>
@@ -5872,9 +7408,16 @@
               <a:buFont typeface="Arial" panose="020B0604020202020204" pitchFamily="34" charset="0"/>
               <a:buChar char="•"/>
             </a:pPr>
+            <a:endParaRPr lang="it-IT" dirty="0"/>
+          </a:p>
+          <a:p>
+            <a:pPr marL="800100" lvl="1" indent="-342900">
+              <a:buFont typeface="Arial" panose="020B0604020202020204" pitchFamily="34" charset="0"/>
+              <a:buChar char="•"/>
+            </a:pPr>
             <a:r>
               <a:rPr lang="it-IT" dirty="0"/>
-              <a:t>Gestire Tasse</a:t>
+              <a:t>Aggiungere Materiale</a:t>
             </a:r>
           </a:p>
           <a:p>
@@ -5882,9 +7425,16 @@
               <a:buFont typeface="Arial" panose="020B0604020202020204" pitchFamily="34" charset="0"/>
               <a:buChar char="•"/>
             </a:pPr>
+            <a:endParaRPr lang="it-IT" dirty="0"/>
+          </a:p>
+          <a:p>
+            <a:pPr marL="800100" lvl="1" indent="-342900">
+              <a:buFont typeface="Arial" panose="020B0604020202020204" pitchFamily="34" charset="0"/>
+              <a:buChar char="•"/>
+            </a:pPr>
             <a:r>
               <a:rPr lang="it-IT" dirty="0"/>
-              <a:t>Aggiungere Materiale</a:t>
+              <a:t>Creare un Ricevimento</a:t>
             </a:r>
           </a:p>
           <a:p>
@@ -5892,13 +7442,10 @@
               <a:buFont typeface="Arial" panose="020B0604020202020204" pitchFamily="34" charset="0"/>
               <a:buChar char="•"/>
             </a:pPr>
-            <a:r>
-              <a:rPr lang="it-IT" dirty="0"/>
-              <a:t>Creare un Ricevimento</a:t>
-            </a:r>
-          </a:p>
-          <a:p>
-            <a:pPr marL="342900" lvl="0" indent="-342900">
+            <a:endParaRPr lang="it-IT" dirty="0"/>
+          </a:p>
+          <a:p>
+            <a:pPr marL="800100" lvl="1" indent="-342900">
               <a:buFont typeface="Arial" panose="020B0604020202020204" pitchFamily="34" charset="0"/>
               <a:buChar char="•"/>
             </a:pPr>
@@ -5953,8 +7500,8 @@
         </p:nvSpPr>
         <p:spPr>
           <a:xfrm>
-            <a:off x="302004" y="234892"/>
-            <a:ext cx="8422546" cy="646331"/>
+            <a:off x="343950" y="751344"/>
+            <a:ext cx="9001386" cy="5355312"/>
           </a:xfrm>
           <a:prstGeom prst="rect">
             <a:avLst/>
@@ -5973,9 +7520,40 @@
             </a:r>
           </a:p>
           <a:p>
+            <a:pPr lvl="1"/>
+            <a:r>
+              <a:rPr lang="it-IT" dirty="0"/>
+              <a:t>Questo caso d’uso riguarda la registrazione di un utente nel sistema che possa essere studente o professore da parte dell’amministratore.</a:t>
+            </a:r>
+          </a:p>
+          <a:p>
+            <a:pPr lvl="1"/>
+            <a:r>
+              <a:rPr lang="it-IT" dirty="0"/>
+              <a:t>L’amministratore compila tutti i campi necessari per l’inserimento nel sistema di un utente e conferma. Il sistema si occupa poi di creare l’utente ed inserirlo nel database. Una volta creati il sistema notifica all’amministratore il completamento dell’operazione.</a:t>
+            </a:r>
+          </a:p>
+          <a:p>
+            <a:endParaRPr lang="it-IT" dirty="0"/>
+          </a:p>
+          <a:p>
             <a:r>
               <a:rPr lang="it-IT" dirty="0"/>
               <a:t>Gestire Esame</a:t>
+            </a:r>
+          </a:p>
+          <a:p>
+            <a:pPr lvl="1"/>
+            <a:r>
+              <a:rPr lang="it-IT" dirty="0"/>
+              <a:t>Questo caso d’uso invece riguarda la gestione degli esami e va dalla creazione di un appello di esame fino al caricamento del risultato finale sul libretto dello studente che lo ha sostenuto. In questo caso d’uso prendono parte sia i professori che gli studenti.</a:t>
+            </a:r>
+          </a:p>
+          <a:p>
+            <a:pPr lvl="1"/>
+            <a:r>
+              <a:rPr lang="it-IT" dirty="0"/>
+              <a:t>Il professore inizialmente crea l’appello d’esame di uno dei suoi corsi dandogli una data. Successivamente lo studente si prenota all’appello selezionandolo nella apposita lista, sarà il professore che dopo lo svolgimento dell’esame a caricare i vari esiti degli studenti iscritti. Infine lo studente visualizzerà gli esiti degli esami e deciderà se accettare o meno il risultato.</a:t>
             </a:r>
           </a:p>
         </p:txBody>
@@ -6024,8 +7602,8 @@
         </p:nvSpPr>
         <p:spPr>
           <a:xfrm>
-            <a:off x="251670" y="283128"/>
-            <a:ext cx="8657438" cy="923330"/>
+            <a:off x="394282" y="662730"/>
+            <a:ext cx="8657438" cy="5355312"/>
           </a:xfrm>
           <a:prstGeom prst="rect">
             <a:avLst/>
@@ -6048,11 +7626,46 @@
             <a:pPr lvl="0"/>
             <a:r>
               <a:rPr lang="it-IT" dirty="0"/>
+              <a:t>	Questo è il caso d’uso che invece si occupa della modifica di un piano 	di studi da parte dello studente. Nel caso d’uso sono coinvolti studenti e 	amministratore, i primi che richiedono la modifica del piano di studi 	aggiungendo e rimuovendo i corsi desiderati, il secondo invece si 	occupa di accettare le richieste che vengono inviata dagli studenti.</a:t>
+            </a:r>
+          </a:p>
+          <a:p>
+            <a:pPr lvl="0"/>
+            <a:endParaRPr lang="it-IT" dirty="0"/>
+          </a:p>
+          <a:p>
+            <a:pPr lvl="0"/>
+            <a:r>
+              <a:rPr lang="it-IT" dirty="0"/>
               <a:t>Gestire Tasse</a:t>
             </a:r>
           </a:p>
           <a:p>
+            <a:r>
+              <a:rPr lang="it-IT" dirty="0"/>
+              <a:t>	Questo caso d’uso riguarda la gestione delle tasse universitarie.</a:t>
+            </a:r>
+          </a:p>
+          <a:p>
+            <a:r>
+              <a:rPr lang="it-IT" dirty="0"/>
+              <a:t>	anche qui sono coinvolti studenti e amministratore. In questo caso 	l’amministratore crea inizialmente le tasse che sono successivamente 	assegnate agli studenti. E sarà lo stesso amministratore che dopo il 	pagamento delle suddette tasse modificherà il loro stato assicurandosi 	che siano state pagate correttamente.</a:t>
+            </a:r>
+          </a:p>
+          <a:p>
             <a:endParaRPr lang="it-IT" dirty="0"/>
+          </a:p>
+          <a:p>
+            <a:r>
+              <a:rPr lang="it-IT" dirty="0"/>
+              <a:t>Aggiungere Materiale</a:t>
+            </a:r>
+          </a:p>
+          <a:p>
+            <a:r>
+              <a:rPr lang="it-IT" dirty="0"/>
+              <a:t>	In questo caso d’uso l’amministratore e i professori possono caricare 	rispettivamente bandi e news che riguardano l’università e i materiali 	che riguardano i corsi.</a:t>
+            </a:r>
           </a:p>
         </p:txBody>
       </p:sp>
@@ -6100,8 +7713,8 @@
         </p:nvSpPr>
         <p:spPr>
           <a:xfrm>
-            <a:off x="343949" y="234892"/>
-            <a:ext cx="8531603" cy="1200329"/>
+            <a:off x="335559" y="687897"/>
+            <a:ext cx="8598716" cy="3970318"/>
           </a:xfrm>
           <a:prstGeom prst="rect">
             <a:avLst/>
@@ -6117,15 +7730,19 @@
             <a:pPr lvl="0"/>
             <a:r>
               <a:rPr lang="it-IT" dirty="0"/>
-              <a:t>Aggiungere Materiale</a:t>
+              <a:t>Creare un Ricevimento</a:t>
+            </a:r>
+          </a:p>
+          <a:p>
+            <a:pPr lvl="1"/>
+            <a:r>
+              <a:rPr lang="it-IT" dirty="0"/>
+              <a:t>Questo caso d’uso invece riguarda la gestione dei ricevimenti e si occupa della creazione del ricevimento tra uno studente e un professore. In questo caso d’uso prendono parte sia il professore che gli studenti. Gli studenti prima effettuano la richiesta al professore desiderato che successivamente deciderà se creare o meno il ricevimento per lo studente che lo ha richiesto</a:t>
             </a:r>
           </a:p>
           <a:p>
             <a:pPr lvl="0"/>
-            <a:r>
-              <a:rPr lang="it-IT" dirty="0"/>
-              <a:t>Creare un Ricevimento</a:t>
-            </a:r>
+            <a:endParaRPr lang="it-IT" dirty="0"/>
           </a:p>
           <a:p>
             <a:pPr lvl="0"/>
@@ -6135,7 +7752,11 @@
             </a:r>
           </a:p>
           <a:p>
-            <a:endParaRPr lang="it-IT" dirty="0"/>
+            <a:pPr lvl="0"/>
+            <a:r>
+              <a:rPr lang="it-IT" dirty="0"/>
+              <a:t>	In questo caso d’uso invece è l’amministratore che si occupa di 	creare corsi e corsi di laurea. Inizialmente l’amministratore aggiunge al 	sistema i corsi desiderati e successivamente aggiunge i corsi di laurea. 	Infine sempre l’amministratore si occuperà di aggiungere e/o 	rimuovere i corsi dai corsi di laurea selezionati. </a:t>
+            </a:r>
           </a:p>
         </p:txBody>
       </p:sp>
@@ -6183,7 +7804,7 @@
         </p:nvSpPr>
         <p:spPr>
           <a:xfrm>
-            <a:off x="536896" y="251670"/>
+            <a:off x="335659" y="859739"/>
             <a:ext cx="10704352" cy="646331"/>
           </a:xfrm>
           <a:prstGeom prst="rect">
@@ -6218,8 +7839,8 @@
         </p:nvSpPr>
         <p:spPr>
           <a:xfrm>
-            <a:off x="654341" y="1208015"/>
-            <a:ext cx="8296712" cy="646331"/>
+            <a:off x="1090668" y="1724184"/>
+            <a:ext cx="8296712" cy="3139321"/>
           </a:xfrm>
           <a:prstGeom prst="rect">
             <a:avLst/>
@@ -6234,10 +7855,62 @@
           <a:p>
             <a:r>
               <a:rPr lang="it-IT" dirty="0"/>
-              <a:t>Descrizione API:</a:t>
-            </a:r>
-          </a:p>
-          <a:p>
+              <a:t>Le api che il sistema utilizza sono le seguenti:</a:t>
+            </a:r>
+          </a:p>
+          <a:p>
+            <a:endParaRPr lang="it-IT" dirty="0"/>
+          </a:p>
+          <a:p>
+            <a:pPr marL="742950" lvl="1" indent="-285750">
+              <a:buFont typeface="Arial" panose="020B0604020202020204" pitchFamily="34" charset="0"/>
+              <a:buChar char="•"/>
+            </a:pPr>
+            <a:r>
+              <a:rPr lang="it-IT" dirty="0"/>
+              <a:t>Facebook api:</a:t>
+            </a:r>
+          </a:p>
+          <a:p>
+            <a:pPr lvl="1"/>
+            <a:r>
+              <a:rPr lang="it-IT" dirty="0"/>
+              <a:t>		Utilizzata per la lettura dei post e delle news dalla pagina 			facebook dell’università</a:t>
+            </a:r>
+          </a:p>
+          <a:p>
+            <a:pPr lvl="1"/>
+            <a:endParaRPr lang="it-IT" dirty="0"/>
+          </a:p>
+          <a:p>
+            <a:pPr marL="742950" lvl="1" indent="-285750">
+              <a:buFont typeface="Arial" panose="020B0604020202020204" pitchFamily="34" charset="0"/>
+              <a:buChar char="•"/>
+            </a:pPr>
+            <a:r>
+              <a:rPr lang="it-IT" dirty="0"/>
+              <a:t>Google Maps api:</a:t>
+            </a:r>
+          </a:p>
+          <a:p>
+            <a:pPr lvl="3"/>
+            <a:r>
+              <a:rPr lang="it-IT" dirty="0"/>
+              <a:t>Che viene utilizzata per l’identificazione e localizzazione dei cubi e degli studi dei professori</a:t>
+            </a:r>
+          </a:p>
+          <a:p>
+            <a:pPr marL="742950" lvl="1" indent="-285750">
+              <a:buFont typeface="Arial" panose="020B0604020202020204" pitchFamily="34" charset="0"/>
+              <a:buChar char="•"/>
+            </a:pPr>
+            <a:endParaRPr lang="it-IT" dirty="0"/>
+          </a:p>
+          <a:p>
+            <a:pPr marL="742950" lvl="1" indent="-285750">
+              <a:buFont typeface="Arial" panose="020B0604020202020204" pitchFamily="34" charset="0"/>
+              <a:buChar char="•"/>
+            </a:pPr>
             <a:endParaRPr lang="it-IT" dirty="0"/>
           </a:p>
         </p:txBody>

--- a/EsseFunziona/description/EsseFunziona.pptx
+++ b/EsseFunziona/description/EsseFunziona.pptx
@@ -7,8 +7,8 @@
   <p:sldIdLst>
     <p:sldId id="256" r:id="rId2"/>
     <p:sldId id="257" r:id="rId3"/>
-    <p:sldId id="266" r:id="rId4"/>
-    <p:sldId id="259" r:id="rId5"/>
+    <p:sldId id="259" r:id="rId4"/>
+    <p:sldId id="266" r:id="rId5"/>
     <p:sldId id="260" r:id="rId6"/>
     <p:sldId id="261" r:id="rId7"/>
     <p:sldId id="262" r:id="rId8"/>
@@ -316,7 +316,7 @@
           <a:p>
             <a:fld id="{AEEF0AA8-E38C-4580-95DC-D87C8EFA4E2A}" type="datetimeFigureOut">
               <a:rPr lang="it-IT" smtClean="0"/>
-              <a:t>20/01/2018</a:t>
+              <a:t>21/01/2018</a:t>
             </a:fld>
             <a:endParaRPr lang="it-IT"/>
           </a:p>
@@ -752,7 +752,7 @@
           <a:p>
             <a:fld id="{AEEF0AA8-E38C-4580-95DC-D87C8EFA4E2A}" type="datetimeFigureOut">
               <a:rPr lang="it-IT" smtClean="0"/>
-              <a:t>20/01/2018</a:t>
+              <a:t>21/01/2018</a:t>
             </a:fld>
             <a:endParaRPr lang="it-IT"/>
           </a:p>
@@ -1002,7 +1002,7 @@
           <a:p>
             <a:fld id="{AEEF0AA8-E38C-4580-95DC-D87C8EFA4E2A}" type="datetimeFigureOut">
               <a:rPr lang="it-IT" smtClean="0"/>
-              <a:t>20/01/2018</a:t>
+              <a:t>21/01/2018</a:t>
             </a:fld>
             <a:endParaRPr lang="it-IT"/>
           </a:p>
@@ -1310,7 +1310,7 @@
           <a:p>
             <a:fld id="{AEEF0AA8-E38C-4580-95DC-D87C8EFA4E2A}" type="datetimeFigureOut">
               <a:rPr lang="it-IT" smtClean="0"/>
-              <a:t>20/01/2018</a:t>
+              <a:t>21/01/2018</a:t>
             </a:fld>
             <a:endParaRPr lang="it-IT"/>
           </a:p>
@@ -1628,7 +1628,7 @@
           <a:p>
             <a:fld id="{AEEF0AA8-E38C-4580-95DC-D87C8EFA4E2A}" type="datetimeFigureOut">
               <a:rPr lang="it-IT" smtClean="0"/>
-              <a:t>20/01/2018</a:t>
+              <a:t>21/01/2018</a:t>
             </a:fld>
             <a:endParaRPr lang="it-IT"/>
           </a:p>
@@ -1930,7 +1930,7 @@
           <a:p>
             <a:fld id="{AEEF0AA8-E38C-4580-95DC-D87C8EFA4E2A}" type="datetimeFigureOut">
               <a:rPr lang="it-IT" smtClean="0"/>
-              <a:t>20/01/2018</a:t>
+              <a:t>21/01/2018</a:t>
             </a:fld>
             <a:endParaRPr lang="it-IT"/>
           </a:p>
@@ -2297,7 +2297,7 @@
           <a:p>
             <a:fld id="{AEEF0AA8-E38C-4580-95DC-D87C8EFA4E2A}" type="datetimeFigureOut">
               <a:rPr lang="it-IT" smtClean="0"/>
-              <a:t>20/01/2018</a:t>
+              <a:t>21/01/2018</a:t>
             </a:fld>
             <a:endParaRPr lang="it-IT"/>
           </a:p>
@@ -2471,7 +2471,7 @@
           <a:p>
             <a:fld id="{AEEF0AA8-E38C-4580-95DC-D87C8EFA4E2A}" type="datetimeFigureOut">
               <a:rPr lang="it-IT" smtClean="0"/>
-              <a:t>20/01/2018</a:t>
+              <a:t>21/01/2018</a:t>
             </a:fld>
             <a:endParaRPr lang="it-IT"/>
           </a:p>
@@ -2651,7 +2651,7 @@
           <a:p>
             <a:fld id="{AEEF0AA8-E38C-4580-95DC-D87C8EFA4E2A}" type="datetimeFigureOut">
               <a:rPr lang="it-IT" smtClean="0"/>
-              <a:t>20/01/2018</a:t>
+              <a:t>21/01/2018</a:t>
             </a:fld>
             <a:endParaRPr lang="it-IT"/>
           </a:p>
@@ -2821,7 +2821,7 @@
           <a:p>
             <a:fld id="{AEEF0AA8-E38C-4580-95DC-D87C8EFA4E2A}" type="datetimeFigureOut">
               <a:rPr lang="it-IT" smtClean="0"/>
-              <a:t>20/01/2018</a:t>
+              <a:t>21/01/2018</a:t>
             </a:fld>
             <a:endParaRPr lang="it-IT"/>
           </a:p>
@@ -3071,7 +3071,7 @@
           <a:p>
             <a:fld id="{AEEF0AA8-E38C-4580-95DC-D87C8EFA4E2A}" type="datetimeFigureOut">
               <a:rPr lang="it-IT" smtClean="0"/>
-              <a:t>20/01/2018</a:t>
+              <a:t>21/01/2018</a:t>
             </a:fld>
             <a:endParaRPr lang="it-IT"/>
           </a:p>
@@ -3307,7 +3307,7 @@
           <a:p>
             <a:fld id="{AEEF0AA8-E38C-4580-95DC-D87C8EFA4E2A}" type="datetimeFigureOut">
               <a:rPr lang="it-IT" smtClean="0"/>
-              <a:t>20/01/2018</a:t>
+              <a:t>21/01/2018</a:t>
             </a:fld>
             <a:endParaRPr lang="it-IT"/>
           </a:p>
@@ -3689,7 +3689,7 @@
           <a:p>
             <a:fld id="{AEEF0AA8-E38C-4580-95DC-D87C8EFA4E2A}" type="datetimeFigureOut">
               <a:rPr lang="it-IT" smtClean="0"/>
-              <a:t>20/01/2018</a:t>
+              <a:t>21/01/2018</a:t>
             </a:fld>
             <a:endParaRPr lang="it-IT"/>
           </a:p>
@@ -3807,7 +3807,7 @@
           <a:p>
             <a:fld id="{AEEF0AA8-E38C-4580-95DC-D87C8EFA4E2A}" type="datetimeFigureOut">
               <a:rPr lang="it-IT" smtClean="0"/>
-              <a:t>20/01/2018</a:t>
+              <a:t>21/01/2018</a:t>
             </a:fld>
             <a:endParaRPr lang="it-IT"/>
           </a:p>
@@ -3902,7 +3902,7 @@
           <a:p>
             <a:fld id="{AEEF0AA8-E38C-4580-95DC-D87C8EFA4E2A}" type="datetimeFigureOut">
               <a:rPr lang="it-IT" smtClean="0"/>
-              <a:t>20/01/2018</a:t>
+              <a:t>21/01/2018</a:t>
             </a:fld>
             <a:endParaRPr lang="it-IT"/>
           </a:p>
@@ -4157,7 +4157,7 @@
           <a:p>
             <a:fld id="{AEEF0AA8-E38C-4580-95DC-D87C8EFA4E2A}" type="datetimeFigureOut">
               <a:rPr lang="it-IT" smtClean="0"/>
-              <a:t>20/01/2018</a:t>
+              <a:t>21/01/2018</a:t>
             </a:fld>
             <a:endParaRPr lang="it-IT"/>
           </a:p>
@@ -4440,7 +4440,7 @@
           <a:p>
             <a:fld id="{AEEF0AA8-E38C-4580-95DC-D87C8EFA4E2A}" type="datetimeFigureOut">
               <a:rPr lang="it-IT" smtClean="0"/>
-              <a:t>20/01/2018</a:t>
+              <a:t>21/01/2018</a:t>
             </a:fld>
             <a:endParaRPr lang="it-IT"/>
           </a:p>
@@ -4846,7 +4846,7 @@
           <a:p>
             <a:fld id="{AEEF0AA8-E38C-4580-95DC-D87C8EFA4E2A}" type="datetimeFigureOut">
               <a:rPr lang="it-IT" smtClean="0"/>
-              <a:t>20/01/2018</a:t>
+              <a:t>21/01/2018</a:t>
             </a:fld>
             <a:endParaRPr lang="it-IT"/>
           </a:p>
@@ -5789,6 +5789,752 @@
       </p:grpSpPr>
       <p:cxnSp>
         <p:nvCxnSpPr>
+          <p:cNvPr id="9" name="Straight Connector 8">
+            <a:extLst>
+              <a:ext uri="{FF2B5EF4-FFF2-40B4-BE49-F238E27FC236}">
+                <a16:creationId xmlns:a16="http://schemas.microsoft.com/office/drawing/2014/main" id="{0512F9CB-A1A0-4043-A103-F6A4B94B695A}"/>
+              </a:ext>
+            </a:extLst>
+          </p:cNvPr>
+          <p:cNvCxnSpPr>
+            <a:cxnSpLocks noGrp="1" noRot="1" noChangeAspect="1" noMove="1" noResize="1" noEditPoints="1" noAdjustHandles="1" noChangeArrowheads="1" noChangeShapeType="1"/>
+          </p:cNvCxnSpPr>
+          <p:nvPr>
+            <p:extLst>
+              <p:ext uri="{386F3935-93C4-4BCD-93E2-E3B085C9AB24}">
+                <p16:designElem xmlns:p16="http://schemas.microsoft.com/office/powerpoint/2015/main" val="1"/>
+              </p:ext>
+            </p:extLst>
+          </p:nvPr>
+        </p:nvCxnSpPr>
+        <p:spPr>
+          <a:xfrm flipH="1">
+            <a:off x="8228012" y="8467"/>
+            <a:ext cx="3810000" cy="3810000"/>
+          </a:xfrm>
+          <a:prstGeom prst="line">
+            <a:avLst/>
+          </a:prstGeom>
+          <a:ln w="12700">
+            <a:solidFill>
+              <a:schemeClr val="tx1"/>
+            </a:solidFill>
+          </a:ln>
+        </p:spPr>
+        <p:style>
+          <a:lnRef idx="2">
+            <a:schemeClr val="accent1"/>
+          </a:lnRef>
+          <a:fillRef idx="0">
+            <a:schemeClr val="accent1"/>
+          </a:fillRef>
+          <a:effectRef idx="1">
+            <a:schemeClr val="accent1"/>
+          </a:effectRef>
+          <a:fontRef idx="minor">
+            <a:schemeClr val="tx1"/>
+          </a:fontRef>
+        </p:style>
+      </p:cxnSp>
+      <p:cxnSp>
+        <p:nvCxnSpPr>
+          <p:cNvPr id="11" name="Straight Connector 10">
+            <a:extLst>
+              <a:ext uri="{FF2B5EF4-FFF2-40B4-BE49-F238E27FC236}">
+                <a16:creationId xmlns:a16="http://schemas.microsoft.com/office/drawing/2014/main" id="{ADBE6588-EE16-4389-857C-86A156D49E5D}"/>
+              </a:ext>
+            </a:extLst>
+          </p:cNvPr>
+          <p:cNvCxnSpPr>
+            <a:cxnSpLocks noGrp="1" noRot="1" noChangeAspect="1" noMove="1" noResize="1" noEditPoints="1" noAdjustHandles="1" noChangeArrowheads="1" noChangeShapeType="1"/>
+          </p:cNvCxnSpPr>
+          <p:nvPr>
+            <p:extLst>
+              <p:ext uri="{386F3935-93C4-4BCD-93E2-E3B085C9AB24}">
+                <p16:designElem xmlns:p16="http://schemas.microsoft.com/office/powerpoint/2015/main" val="1"/>
+              </p:ext>
+            </p:extLst>
+          </p:nvPr>
+        </p:nvCxnSpPr>
+        <p:spPr>
+          <a:xfrm flipH="1">
+            <a:off x="6108170" y="91545"/>
+            <a:ext cx="6080655" cy="6080655"/>
+          </a:xfrm>
+          <a:prstGeom prst="line">
+            <a:avLst/>
+          </a:prstGeom>
+          <a:ln w="12700">
+            <a:solidFill>
+              <a:schemeClr val="tx1"/>
+            </a:solidFill>
+          </a:ln>
+        </p:spPr>
+        <p:style>
+          <a:lnRef idx="2">
+            <a:schemeClr val="accent1"/>
+          </a:lnRef>
+          <a:fillRef idx="0">
+            <a:schemeClr val="accent1"/>
+          </a:fillRef>
+          <a:effectRef idx="1">
+            <a:schemeClr val="accent1"/>
+          </a:effectRef>
+          <a:fontRef idx="minor">
+            <a:schemeClr val="tx1"/>
+          </a:fontRef>
+        </p:style>
+      </p:cxnSp>
+      <p:cxnSp>
+        <p:nvCxnSpPr>
+          <p:cNvPr id="13" name="Straight Connector 12">
+            <a:extLst>
+              <a:ext uri="{FF2B5EF4-FFF2-40B4-BE49-F238E27FC236}">
+                <a16:creationId xmlns:a16="http://schemas.microsoft.com/office/drawing/2014/main" id="{17FD48D2-B0A7-413D-B947-AA55AC1296D5}"/>
+              </a:ext>
+            </a:extLst>
+          </p:cNvPr>
+          <p:cNvCxnSpPr>
+            <a:cxnSpLocks noGrp="1" noRot="1" noChangeAspect="1" noMove="1" noResize="1" noEditPoints="1" noAdjustHandles="1" noChangeArrowheads="1" noChangeShapeType="1"/>
+          </p:cNvCxnSpPr>
+          <p:nvPr>
+            <p:extLst>
+              <p:ext uri="{386F3935-93C4-4BCD-93E2-E3B085C9AB24}">
+                <p16:designElem xmlns:p16="http://schemas.microsoft.com/office/powerpoint/2015/main" val="1"/>
+              </p:ext>
+            </p:extLst>
+          </p:nvPr>
+        </p:nvCxnSpPr>
+        <p:spPr>
+          <a:xfrm flipH="1">
+            <a:off x="7235825" y="228600"/>
+            <a:ext cx="4953000" cy="4953000"/>
+          </a:xfrm>
+          <a:prstGeom prst="line">
+            <a:avLst/>
+          </a:prstGeom>
+          <a:ln w="12700">
+            <a:solidFill>
+              <a:schemeClr val="tx1"/>
+            </a:solidFill>
+          </a:ln>
+        </p:spPr>
+        <p:style>
+          <a:lnRef idx="2">
+            <a:schemeClr val="accent1"/>
+          </a:lnRef>
+          <a:fillRef idx="0">
+            <a:schemeClr val="accent1"/>
+          </a:fillRef>
+          <a:effectRef idx="1">
+            <a:schemeClr val="accent1"/>
+          </a:effectRef>
+          <a:fontRef idx="minor">
+            <a:schemeClr val="tx1"/>
+          </a:fontRef>
+        </p:style>
+      </p:cxnSp>
+      <p:cxnSp>
+        <p:nvCxnSpPr>
+          <p:cNvPr id="15" name="Straight Connector 14">
+            <a:extLst>
+              <a:ext uri="{FF2B5EF4-FFF2-40B4-BE49-F238E27FC236}">
+                <a16:creationId xmlns:a16="http://schemas.microsoft.com/office/drawing/2014/main" id="{2BE668D0-D906-4EEE-B32F-8C028624B837}"/>
+              </a:ext>
+            </a:extLst>
+          </p:cNvPr>
+          <p:cNvCxnSpPr>
+            <a:cxnSpLocks noGrp="1" noRot="1" noChangeAspect="1" noMove="1" noResize="1" noEditPoints="1" noAdjustHandles="1" noChangeArrowheads="1" noChangeShapeType="1"/>
+          </p:cNvCxnSpPr>
+          <p:nvPr>
+            <p:extLst>
+              <p:ext uri="{386F3935-93C4-4BCD-93E2-E3B085C9AB24}">
+                <p16:designElem xmlns:p16="http://schemas.microsoft.com/office/powerpoint/2015/main" val="1"/>
+              </p:ext>
+            </p:extLst>
+          </p:nvPr>
+        </p:nvCxnSpPr>
+        <p:spPr>
+          <a:xfrm flipH="1">
+            <a:off x="7335837" y="32278"/>
+            <a:ext cx="4852989" cy="4852989"/>
+          </a:xfrm>
+          <a:prstGeom prst="line">
+            <a:avLst/>
+          </a:prstGeom>
+          <a:ln w="31750">
+            <a:solidFill>
+              <a:schemeClr val="tx1"/>
+            </a:solidFill>
+          </a:ln>
+        </p:spPr>
+        <p:style>
+          <a:lnRef idx="2">
+            <a:schemeClr val="accent1"/>
+          </a:lnRef>
+          <a:fillRef idx="0">
+            <a:schemeClr val="accent1"/>
+          </a:fillRef>
+          <a:effectRef idx="1">
+            <a:schemeClr val="accent1"/>
+          </a:effectRef>
+          <a:fontRef idx="minor">
+            <a:schemeClr val="tx1"/>
+          </a:fontRef>
+        </p:style>
+      </p:cxnSp>
+      <p:cxnSp>
+        <p:nvCxnSpPr>
+          <p:cNvPr id="17" name="Straight Connector 16">
+            <a:extLst>
+              <a:ext uri="{FF2B5EF4-FFF2-40B4-BE49-F238E27FC236}">
+                <a16:creationId xmlns:a16="http://schemas.microsoft.com/office/drawing/2014/main" id="{D1DE67A3-B8F6-4CFD-A8E0-D15200F23152}"/>
+              </a:ext>
+            </a:extLst>
+          </p:cNvPr>
+          <p:cNvCxnSpPr>
+            <a:cxnSpLocks noGrp="1" noRot="1" noChangeAspect="1" noMove="1" noResize="1" noEditPoints="1" noAdjustHandles="1" noChangeArrowheads="1" noChangeShapeType="1"/>
+          </p:cNvCxnSpPr>
+          <p:nvPr>
+            <p:extLst>
+              <p:ext uri="{386F3935-93C4-4BCD-93E2-E3B085C9AB24}">
+                <p16:designElem xmlns:p16="http://schemas.microsoft.com/office/powerpoint/2015/main" val="1"/>
+              </p:ext>
+            </p:extLst>
+          </p:nvPr>
+        </p:nvCxnSpPr>
+        <p:spPr>
+          <a:xfrm flipH="1">
+            <a:off x="7845426" y="609601"/>
+            <a:ext cx="4343399" cy="4343399"/>
+          </a:xfrm>
+          <a:prstGeom prst="line">
+            <a:avLst/>
+          </a:prstGeom>
+          <a:ln w="31750">
+            <a:solidFill>
+              <a:schemeClr val="tx1"/>
+            </a:solidFill>
+          </a:ln>
+        </p:spPr>
+        <p:style>
+          <a:lnRef idx="2">
+            <a:schemeClr val="accent1"/>
+          </a:lnRef>
+          <a:fillRef idx="0">
+            <a:schemeClr val="accent1"/>
+          </a:fillRef>
+          <a:effectRef idx="1">
+            <a:schemeClr val="accent1"/>
+          </a:effectRef>
+          <a:fontRef idx="minor">
+            <a:schemeClr val="tx1"/>
+          </a:fontRef>
+        </p:style>
+      </p:cxnSp>
+      <p:sp>
+        <p:nvSpPr>
+          <p:cNvPr id="19" name="Rectangle 18">
+            <a:extLst>
+              <a:ext uri="{FF2B5EF4-FFF2-40B4-BE49-F238E27FC236}">
+                <a16:creationId xmlns:a16="http://schemas.microsoft.com/office/drawing/2014/main" id="{C6F269C0-E938-4ACE-9291-680DA455A47A}"/>
+              </a:ext>
+            </a:extLst>
+          </p:cNvPr>
+          <p:cNvSpPr>
+            <a:spLocks noGrp="1" noRot="1" noChangeAspect="1" noMove="1" noResize="1" noEditPoints="1" noAdjustHandles="1" noChangeArrowheads="1" noChangeShapeType="1" noTextEdit="1"/>
+          </p:cNvSpPr>
+          <p:nvPr>
+            <p:extLst>
+              <p:ext uri="{386F3935-93C4-4BCD-93E2-E3B085C9AB24}">
+                <p16:designElem xmlns:p16="http://schemas.microsoft.com/office/powerpoint/2015/main" val="1"/>
+              </p:ext>
+            </p:extLst>
+          </p:nvPr>
+        </p:nvSpPr>
+        <p:spPr>
+          <a:xfrm>
+            <a:off x="0" y="0"/>
+            <a:ext cx="12192000" cy="6858000"/>
+          </a:xfrm>
+          <a:prstGeom prst="rect">
+            <a:avLst/>
+          </a:prstGeom>
+          <a:ln>
+            <a:noFill/>
+          </a:ln>
+        </p:spPr>
+        <p:style>
+          <a:lnRef idx="2">
+            <a:schemeClr val="accent1">
+              <a:shade val="50000"/>
+            </a:schemeClr>
+          </a:lnRef>
+          <a:fillRef idx="1002">
+            <a:schemeClr val="dk2"/>
+          </a:fillRef>
+          <a:effectRef idx="0">
+            <a:schemeClr val="accent1"/>
+          </a:effectRef>
+          <a:fontRef idx="minor">
+            <a:schemeClr val="lt1"/>
+          </a:fontRef>
+        </p:style>
+        <p:txBody>
+          <a:bodyPr rtlCol="0" anchor="ctr"/>
+          <a:lstStyle/>
+          <a:p>
+            <a:pPr algn="ctr"/>
+            <a:endParaRPr lang="en-US"/>
+          </a:p>
+        </p:txBody>
+      </p:sp>
+      <p:sp useBgFill="1">
+        <p:nvSpPr>
+          <p:cNvPr id="21" name="Snip Diagonal Corner Rectangle 6">
+            <a:extLst>
+              <a:ext uri="{FF2B5EF4-FFF2-40B4-BE49-F238E27FC236}">
+                <a16:creationId xmlns:a16="http://schemas.microsoft.com/office/drawing/2014/main" id="{353910D8-86D8-4812-AACB-F5860956EB60}"/>
+              </a:ext>
+            </a:extLst>
+          </p:cNvPr>
+          <p:cNvSpPr>
+            <a:spLocks noGrp="1" noRot="1" noChangeAspect="1" noMove="1" noResize="1" noEditPoints="1" noAdjustHandles="1" noChangeArrowheads="1" noChangeShapeType="1" noTextEdit="1"/>
+          </p:cNvSpPr>
+          <p:nvPr>
+            <p:extLst>
+              <p:ext uri="{386F3935-93C4-4BCD-93E2-E3B085C9AB24}">
+                <p16:designElem xmlns:p16="http://schemas.microsoft.com/office/powerpoint/2015/main" val="1"/>
+              </p:ext>
+            </p:extLst>
+          </p:nvPr>
+        </p:nvSpPr>
+        <p:spPr>
+          <a:xfrm>
+            <a:off x="634000" y="620722"/>
+            <a:ext cx="4977369" cy="5286838"/>
+          </a:xfrm>
+          <a:prstGeom prst="snip2DiagRect">
+            <a:avLst>
+              <a:gd name="adj1" fmla="val 9763"/>
+              <a:gd name="adj2" fmla="val 0"/>
+            </a:avLst>
+          </a:prstGeom>
+          <a:ln>
+            <a:noFill/>
+          </a:ln>
+          <a:effectLst>
+            <a:innerShdw blurRad="57150" dist="38100" dir="14460000">
+              <a:prstClr val="black">
+                <a:alpha val="70000"/>
+              </a:prstClr>
+            </a:innerShdw>
+          </a:effectLst>
+        </p:spPr>
+        <p:style>
+          <a:lnRef idx="2">
+            <a:schemeClr val="accent1">
+              <a:shade val="50000"/>
+            </a:schemeClr>
+          </a:lnRef>
+          <a:fillRef idx="1">
+            <a:schemeClr val="accent1"/>
+          </a:fillRef>
+          <a:effectRef idx="0">
+            <a:schemeClr val="accent1"/>
+          </a:effectRef>
+          <a:fontRef idx="minor">
+            <a:schemeClr val="lt1"/>
+          </a:fontRef>
+        </p:style>
+        <p:txBody>
+          <a:bodyPr rtlCol="0" anchor="ctr"/>
+          <a:lstStyle/>
+          <a:p>
+            <a:pPr algn="ctr"/>
+            <a:endParaRPr lang="en-US"/>
+          </a:p>
+        </p:txBody>
+      </p:sp>
+      <p:grpSp>
+        <p:nvGrpSpPr>
+          <p:cNvPr id="57" name="Group 22">
+            <a:extLst>
+              <a:ext uri="{FF2B5EF4-FFF2-40B4-BE49-F238E27FC236}">
+                <a16:creationId xmlns:a16="http://schemas.microsoft.com/office/drawing/2014/main" id="{B0DDB13E-0746-49BA-B832-3DBEF6AB5ED7}"/>
+              </a:ext>
+            </a:extLst>
+          </p:cNvPr>
+          <p:cNvGrpSpPr>
+            <a:grpSpLocks noGrp="1" noUngrp="1" noRot="1" noChangeAspect="1" noMove="1" noResize="1"/>
+          </p:cNvGrpSpPr>
+          <p:nvPr>
+            <p:extLst>
+              <p:ext uri="{386F3935-93C4-4BCD-93E2-E3B085C9AB24}">
+                <p16:designElem xmlns:p16="http://schemas.microsoft.com/office/powerpoint/2015/main" val="1"/>
+              </p:ext>
+            </p:extLst>
+          </p:nvPr>
+        </p:nvGrpSpPr>
+        <p:grpSpPr>
+          <a:xfrm>
+            <a:off x="9206969" y="2963333"/>
+            <a:ext cx="2981858" cy="3208867"/>
+            <a:chOff x="9206969" y="2963333"/>
+            <a:chExt cx="2981858" cy="3208867"/>
+          </a:xfrm>
+        </p:grpSpPr>
+        <p:cxnSp>
+          <p:nvCxnSpPr>
+            <p:cNvPr id="24" name="Straight Connector 23">
+              <a:extLst>
+                <a:ext uri="{FF2B5EF4-FFF2-40B4-BE49-F238E27FC236}">
+                  <a16:creationId xmlns:a16="http://schemas.microsoft.com/office/drawing/2014/main" id="{675ABE57-032A-4BDB-8DA5-921E3A265759}"/>
+                </a:ext>
+              </a:extLst>
+            </p:cNvPr>
+            <p:cNvCxnSpPr/>
+            <p:nvPr>
+              <p:extLst>
+                <p:ext uri="{386F3935-93C4-4BCD-93E2-E3B085C9AB24}">
+                  <p16:designElem xmlns:p16="http://schemas.microsoft.com/office/powerpoint/2015/main" val="1"/>
+                </p:ext>
+              </p:extLst>
+            </p:nvPr>
+          </p:nvCxnSpPr>
+          <p:spPr>
+            <a:xfrm flipH="1">
+              <a:off x="11276012" y="2963333"/>
+              <a:ext cx="912814" cy="912812"/>
+            </a:xfrm>
+            <a:prstGeom prst="line">
+              <a:avLst/>
+            </a:prstGeom>
+            <a:ln w="9525">
+              <a:solidFill>
+                <a:srgbClr val="FFFFFF"/>
+              </a:solidFill>
+            </a:ln>
+          </p:spPr>
+          <p:style>
+            <a:lnRef idx="2">
+              <a:schemeClr val="accent1"/>
+            </a:lnRef>
+            <a:fillRef idx="0">
+              <a:schemeClr val="accent1"/>
+            </a:fillRef>
+            <a:effectRef idx="1">
+              <a:schemeClr val="accent1"/>
+            </a:effectRef>
+            <a:fontRef idx="minor">
+              <a:schemeClr val="tx1"/>
+            </a:fontRef>
+          </p:style>
+        </p:cxnSp>
+        <p:cxnSp>
+          <p:nvCxnSpPr>
+            <p:cNvPr id="25" name="Straight Connector 24">
+              <a:extLst>
+                <a:ext uri="{FF2B5EF4-FFF2-40B4-BE49-F238E27FC236}">
+                  <a16:creationId xmlns:a16="http://schemas.microsoft.com/office/drawing/2014/main" id="{B1CBD4F3-E4C6-4345-B5B9-225E609D38E9}"/>
+                </a:ext>
+              </a:extLst>
+            </p:cNvPr>
+            <p:cNvCxnSpPr/>
+            <p:nvPr>
+              <p:extLst>
+                <p:ext uri="{386F3935-93C4-4BCD-93E2-E3B085C9AB24}">
+                  <p16:designElem xmlns:p16="http://schemas.microsoft.com/office/powerpoint/2015/main" val="1"/>
+                </p:ext>
+              </p:extLst>
+            </p:nvPr>
+          </p:nvCxnSpPr>
+          <p:spPr>
+            <a:xfrm flipH="1">
+              <a:off x="9206969" y="3190344"/>
+              <a:ext cx="2981857" cy="2981856"/>
+            </a:xfrm>
+            <a:prstGeom prst="line">
+              <a:avLst/>
+            </a:prstGeom>
+            <a:ln w="9525">
+              <a:solidFill>
+                <a:srgbClr val="FFFFFF"/>
+              </a:solidFill>
+            </a:ln>
+          </p:spPr>
+          <p:style>
+            <a:lnRef idx="2">
+              <a:schemeClr val="accent1"/>
+            </a:lnRef>
+            <a:fillRef idx="0">
+              <a:schemeClr val="accent1"/>
+            </a:fillRef>
+            <a:effectRef idx="1">
+              <a:schemeClr val="accent1"/>
+            </a:effectRef>
+            <a:fontRef idx="minor">
+              <a:schemeClr val="tx1"/>
+            </a:fontRef>
+          </p:style>
+        </p:cxnSp>
+        <p:cxnSp>
+          <p:nvCxnSpPr>
+            <p:cNvPr id="26" name="Straight Connector 25">
+              <a:extLst>
+                <a:ext uri="{FF2B5EF4-FFF2-40B4-BE49-F238E27FC236}">
+                  <a16:creationId xmlns:a16="http://schemas.microsoft.com/office/drawing/2014/main" id="{3AD7E20A-1B41-40E2-9927-FD6E3E09DF6B}"/>
+                </a:ext>
+              </a:extLst>
+            </p:cNvPr>
+            <p:cNvCxnSpPr/>
+            <p:nvPr>
+              <p:extLst>
+                <p:ext uri="{386F3935-93C4-4BCD-93E2-E3B085C9AB24}">
+                  <p16:designElem xmlns:p16="http://schemas.microsoft.com/office/powerpoint/2015/main" val="1"/>
+                </p:ext>
+              </p:extLst>
+            </p:nvPr>
+          </p:nvCxnSpPr>
+          <p:spPr>
+            <a:xfrm flipH="1">
+              <a:off x="10292292" y="3285067"/>
+              <a:ext cx="1896534" cy="1896533"/>
+            </a:xfrm>
+            <a:prstGeom prst="line">
+              <a:avLst/>
+            </a:prstGeom>
+            <a:ln w="9525">
+              <a:solidFill>
+                <a:srgbClr val="FFFFFF"/>
+              </a:solidFill>
+            </a:ln>
+          </p:spPr>
+          <p:style>
+            <a:lnRef idx="2">
+              <a:schemeClr val="accent1"/>
+            </a:lnRef>
+            <a:fillRef idx="0">
+              <a:schemeClr val="accent1"/>
+            </a:fillRef>
+            <a:effectRef idx="1">
+              <a:schemeClr val="accent1"/>
+            </a:effectRef>
+            <a:fontRef idx="minor">
+              <a:schemeClr val="tx1"/>
+            </a:fontRef>
+          </p:style>
+        </p:cxnSp>
+        <p:cxnSp>
+          <p:nvCxnSpPr>
+            <p:cNvPr id="27" name="Straight Connector 26">
+              <a:extLst>
+                <a:ext uri="{FF2B5EF4-FFF2-40B4-BE49-F238E27FC236}">
+                  <a16:creationId xmlns:a16="http://schemas.microsoft.com/office/drawing/2014/main" id="{B42C5E4E-9C9A-4C8F-A06F-0C25A124EA87}"/>
+                </a:ext>
+              </a:extLst>
+            </p:cNvPr>
+            <p:cNvCxnSpPr/>
+            <p:nvPr>
+              <p:extLst>
+                <p:ext uri="{386F3935-93C4-4BCD-93E2-E3B085C9AB24}">
+                  <p16:designElem xmlns:p16="http://schemas.microsoft.com/office/powerpoint/2015/main" val="1"/>
+                </p:ext>
+              </p:extLst>
+            </p:nvPr>
+          </p:nvCxnSpPr>
+          <p:spPr>
+            <a:xfrm flipH="1">
+              <a:off x="10443103" y="3131080"/>
+              <a:ext cx="1745722" cy="1745720"/>
+            </a:xfrm>
+            <a:prstGeom prst="line">
+              <a:avLst/>
+            </a:prstGeom>
+            <a:ln w="28575">
+              <a:solidFill>
+                <a:srgbClr val="FFFFFF"/>
+              </a:solidFill>
+            </a:ln>
+          </p:spPr>
+          <p:style>
+            <a:lnRef idx="2">
+              <a:schemeClr val="accent1"/>
+            </a:lnRef>
+            <a:fillRef idx="0">
+              <a:schemeClr val="accent1"/>
+            </a:fillRef>
+            <a:effectRef idx="1">
+              <a:schemeClr val="accent1"/>
+            </a:effectRef>
+            <a:fontRef idx="minor">
+              <a:schemeClr val="tx1"/>
+            </a:fontRef>
+          </p:style>
+        </p:cxnSp>
+        <p:cxnSp>
+          <p:nvCxnSpPr>
+            <p:cNvPr id="28" name="Straight Connector 27">
+              <a:extLst>
+                <a:ext uri="{FF2B5EF4-FFF2-40B4-BE49-F238E27FC236}">
+                  <a16:creationId xmlns:a16="http://schemas.microsoft.com/office/drawing/2014/main" id="{24382779-711D-4169-BCDC-A353BB9E75A2}"/>
+                </a:ext>
+              </a:extLst>
+            </p:cNvPr>
+            <p:cNvCxnSpPr/>
+            <p:nvPr>
+              <p:extLst>
+                <p:ext uri="{386F3935-93C4-4BCD-93E2-E3B085C9AB24}">
+                  <p16:designElem xmlns:p16="http://schemas.microsoft.com/office/powerpoint/2015/main" val="1"/>
+                </p:ext>
+              </p:extLst>
+            </p:nvPr>
+          </p:nvCxnSpPr>
+          <p:spPr>
+            <a:xfrm flipH="1">
+              <a:off x="10918826" y="3683001"/>
+              <a:ext cx="1270001" cy="1269999"/>
+            </a:xfrm>
+            <a:prstGeom prst="line">
+              <a:avLst/>
+            </a:prstGeom>
+            <a:ln w="28575">
+              <a:solidFill>
+                <a:srgbClr val="FFFFFF"/>
+              </a:solidFill>
+            </a:ln>
+          </p:spPr>
+          <p:style>
+            <a:lnRef idx="2">
+              <a:schemeClr val="accent1"/>
+            </a:lnRef>
+            <a:fillRef idx="0">
+              <a:schemeClr val="accent1"/>
+            </a:fillRef>
+            <a:effectRef idx="1">
+              <a:schemeClr val="accent1"/>
+            </a:effectRef>
+            <a:fontRef idx="minor">
+              <a:schemeClr val="tx1"/>
+            </a:fontRef>
+          </p:style>
+        </p:cxnSp>
+      </p:grpSp>
+      <p:sp>
+        <p:nvSpPr>
+          <p:cNvPr id="2" name="Titolo 1">
+            <a:extLst>
+              <a:ext uri="{FF2B5EF4-FFF2-40B4-BE49-F238E27FC236}">
+                <a16:creationId xmlns:a16="http://schemas.microsoft.com/office/drawing/2014/main" id="{9CF06705-7C94-41DB-8A46-7CDC39C58B71}"/>
+              </a:ext>
+            </a:extLst>
+          </p:cNvPr>
+          <p:cNvSpPr>
+            <a:spLocks noGrp="1"/>
+          </p:cNvSpPr>
+          <p:nvPr>
+            <p:ph type="title"/>
+          </p:nvPr>
+        </p:nvSpPr>
+        <p:spPr>
+          <a:xfrm>
+            <a:off x="6253080" y="2546369"/>
+            <a:ext cx="5408613" cy="860672"/>
+          </a:xfrm>
+        </p:spPr>
+        <p:txBody>
+          <a:bodyPr vert="horz" lIns="91440" tIns="45720" rIns="91440" bIns="45720" rtlCol="0" anchor="b">
+            <a:normAutofit/>
+          </a:bodyPr>
+          <a:lstStyle/>
+          <a:p>
+            <a:r>
+              <a:rPr lang="en-US" sz="4800" dirty="0">
+                <a:solidFill>
+                  <a:srgbClr val="FFFFFF"/>
+                </a:solidFill>
+              </a:rPr>
+              <a:t>E-R Model</a:t>
+            </a:r>
+          </a:p>
+        </p:txBody>
+      </p:sp>
+      <p:pic>
+        <p:nvPicPr>
+          <p:cNvPr id="5" name="Immagine 4" descr="Immagine che contiene testo, mappa&#10;&#10;Descrizione generata con affidabilità molto elevata">
+            <a:extLst>
+              <a:ext uri="{FF2B5EF4-FFF2-40B4-BE49-F238E27FC236}">
+                <a16:creationId xmlns:a16="http://schemas.microsoft.com/office/drawing/2014/main" id="{C9787BC0-6585-42F5-BA46-C19A5E936DD0}"/>
+              </a:ext>
+            </a:extLst>
+          </p:cNvPr>
+          <p:cNvPicPr>
+            <a:picLocks noChangeAspect="1"/>
+          </p:cNvPicPr>
+          <p:nvPr/>
+        </p:nvPicPr>
+        <p:blipFill>
+          <a:blip r:embed="rId2">
+            <a:extLst>
+              <a:ext uri="{28A0092B-C50C-407E-A947-70E740481C1C}">
+                <a14:useLocalDpi xmlns:a14="http://schemas.microsoft.com/office/drawing/2010/main" val="0"/>
+              </a:ext>
+            </a:extLst>
+          </a:blip>
+          <a:stretch>
+            <a:fillRect/>
+          </a:stretch>
+        </p:blipFill>
+        <p:spPr>
+          <a:xfrm>
+            <a:off x="934425" y="895036"/>
+            <a:ext cx="4432221" cy="4740442"/>
+          </a:xfrm>
+          <a:prstGeom prst="rect">
+            <a:avLst/>
+          </a:prstGeom>
+        </p:spPr>
+      </p:pic>
+    </p:spTree>
+    <p:extLst>
+      <p:ext uri="{BB962C8B-B14F-4D97-AF65-F5344CB8AC3E}">
+        <p14:creationId xmlns:p14="http://schemas.microsoft.com/office/powerpoint/2010/main" val="2500485149"/>
+      </p:ext>
+    </p:extLst>
+  </p:cSld>
+  <p:clrMapOvr>
+    <a:overrideClrMapping bg1="lt1" tx1="dk1" bg2="lt2" tx2="dk2" accent1="accent1" accent2="accent2" accent3="accent3" accent4="accent4" accent5="accent5" accent6="accent6" hlink="hlink" folHlink="folHlink"/>
+  </p:clrMapOvr>
+</p:sld>
+</file>
+
+<file path=ppt/slides/slide4.xml><?xml version="1.0" encoding="utf-8"?>
+<p:sld xmlns:a="http://schemas.openxmlformats.org/drawingml/2006/main" xmlns:r="http://schemas.openxmlformats.org/officeDocument/2006/relationships" xmlns:p="http://schemas.openxmlformats.org/presentationml/2006/main">
+  <p:cSld>
+    <p:bg>
+      <p:bgPr>
+        <a:solidFill>
+          <a:schemeClr val="bg1"/>
+        </a:solidFill>
+        <a:effectLst/>
+      </p:bgPr>
+    </p:bg>
+    <p:spTree>
+      <p:nvGrpSpPr>
+        <p:cNvPr id="1" name=""/>
+        <p:cNvGrpSpPr/>
+        <p:nvPr/>
+      </p:nvGrpSpPr>
+      <p:grpSpPr>
+        <a:xfrm>
+          <a:off x="0" y="0"/>
+          <a:ext cx="0" cy="0"/>
+          <a:chOff x="0" y="0"/>
+          <a:chExt cx="0" cy="0"/>
+        </a:xfrm>
+      </p:grpSpPr>
+      <p:cxnSp>
+        <p:nvCxnSpPr>
           <p:cNvPr id="147" name="Straight Connector 114">
             <a:extLst>
               <a:ext uri="{FF2B5EF4-FFF2-40B4-BE49-F238E27FC236}">
@@ -6420,12 +7166,51 @@
           </p:style>
         </p:cxnSp>
       </p:grpSp>
+      <p:sp>
+        <p:nvSpPr>
+          <p:cNvPr id="2" name="Titolo 1">
+            <a:extLst>
+              <a:ext uri="{FF2B5EF4-FFF2-40B4-BE49-F238E27FC236}">
+                <a16:creationId xmlns:a16="http://schemas.microsoft.com/office/drawing/2014/main" id="{9CF06705-7C94-41DB-8A46-7CDC39C58B71}"/>
+              </a:ext>
+            </a:extLst>
+          </p:cNvPr>
+          <p:cNvSpPr>
+            <a:spLocks noGrp="1"/>
+          </p:cNvSpPr>
+          <p:nvPr>
+            <p:ph type="title"/>
+          </p:nvPr>
+        </p:nvSpPr>
+        <p:spPr>
+          <a:xfrm>
+            <a:off x="7447229" y="2233854"/>
+            <a:ext cx="3971902" cy="1032933"/>
+          </a:xfrm>
+        </p:spPr>
+        <p:txBody>
+          <a:bodyPr vert="horz" lIns="91440" tIns="45720" rIns="91440" bIns="45720" rtlCol="0" anchor="b">
+            <a:normAutofit/>
+          </a:bodyPr>
+          <a:lstStyle/>
+          <a:p>
+            <a:r>
+              <a:rPr lang="en-US" sz="4800" dirty="0">
+                <a:solidFill>
+                  <a:srgbClr val="FFFFFF"/>
+                </a:solidFill>
+              </a:rPr>
+              <a:t>UML Model</a:t>
+            </a:r>
+          </a:p>
+        </p:txBody>
+      </p:sp>
       <p:pic>
         <p:nvPicPr>
-          <p:cNvPr id="6" name="Immagine 5" descr="Immagine che contiene testo&#10;&#10;Descrizione generata con affidabilità molto elevata">
+          <p:cNvPr id="4" name="Immagine 3" descr="Immagine che contiene testo&#10;&#10;Descrizione generata con affidabilità molto elevata">
             <a:extLst>
               <a:ext uri="{FF2B5EF4-FFF2-40B4-BE49-F238E27FC236}">
-                <a16:creationId xmlns:a16="http://schemas.microsoft.com/office/drawing/2014/main" id="{AB08250B-9DDA-4A58-958A-6770214AEE85}"/>
+                <a16:creationId xmlns:a16="http://schemas.microsoft.com/office/drawing/2014/main" id="{821AC686-02CD-4658-869D-073F6F33BEE8}"/>
               </a:ext>
             </a:extLst>
           </p:cNvPr>
@@ -6448,803 +7233,18 @@
         </p:blipFill>
         <p:spPr>
           <a:xfrm>
-            <a:off x="1021973" y="906645"/>
-            <a:ext cx="5406394" cy="5000915"/>
+            <a:off x="1059939" y="849946"/>
+            <a:ext cx="5352655" cy="4870916"/>
           </a:xfrm>
           <a:prstGeom prst="rect">
             <a:avLst/>
           </a:prstGeom>
         </p:spPr>
       </p:pic>
-      <p:sp>
-        <p:nvSpPr>
-          <p:cNvPr id="2" name="Titolo 1">
-            <a:extLst>
-              <a:ext uri="{FF2B5EF4-FFF2-40B4-BE49-F238E27FC236}">
-                <a16:creationId xmlns:a16="http://schemas.microsoft.com/office/drawing/2014/main" id="{9CF06705-7C94-41DB-8A46-7CDC39C58B71}"/>
-              </a:ext>
-            </a:extLst>
-          </p:cNvPr>
-          <p:cNvSpPr>
-            <a:spLocks noGrp="1"/>
-          </p:cNvSpPr>
-          <p:nvPr>
-            <p:ph type="title"/>
-          </p:nvPr>
-        </p:nvSpPr>
-        <p:spPr>
-          <a:xfrm>
-            <a:off x="7532710" y="628617"/>
-            <a:ext cx="3971902" cy="3028983"/>
-          </a:xfrm>
-        </p:spPr>
-        <p:txBody>
-          <a:bodyPr vert="horz" lIns="91440" tIns="45720" rIns="91440" bIns="45720" rtlCol="0" anchor="b">
-            <a:normAutofit/>
-          </a:bodyPr>
-          <a:lstStyle/>
-          <a:p>
-            <a:r>
-              <a:rPr lang="en-US" sz="4800">
-                <a:solidFill>
-                  <a:srgbClr val="FFFFFF"/>
-                </a:solidFill>
-              </a:rPr>
-              <a:t>UML Model</a:t>
-            </a:r>
-          </a:p>
-        </p:txBody>
-      </p:sp>
     </p:spTree>
     <p:extLst>
       <p:ext uri="{BB962C8B-B14F-4D97-AF65-F5344CB8AC3E}">
         <p14:creationId xmlns:p14="http://schemas.microsoft.com/office/powerpoint/2010/main" val="1518777403"/>
-      </p:ext>
-    </p:extLst>
-  </p:cSld>
-  <p:clrMapOvr>
-    <a:overrideClrMapping bg1="lt1" tx1="dk1" bg2="lt2" tx2="dk2" accent1="accent1" accent2="accent2" accent3="accent3" accent4="accent4" accent5="accent5" accent6="accent6" hlink="hlink" folHlink="folHlink"/>
-  </p:clrMapOvr>
-</p:sld>
-</file>
-
-<file path=ppt/slides/slide4.xml><?xml version="1.0" encoding="utf-8"?>
-<p:sld xmlns:a="http://schemas.openxmlformats.org/drawingml/2006/main" xmlns:r="http://schemas.openxmlformats.org/officeDocument/2006/relationships" xmlns:p="http://schemas.openxmlformats.org/presentationml/2006/main">
-  <p:cSld>
-    <p:bg>
-      <p:bgPr>
-        <a:solidFill>
-          <a:schemeClr val="bg1"/>
-        </a:solidFill>
-        <a:effectLst/>
-      </p:bgPr>
-    </p:bg>
-    <p:spTree>
-      <p:nvGrpSpPr>
-        <p:cNvPr id="1" name=""/>
-        <p:cNvGrpSpPr/>
-        <p:nvPr/>
-      </p:nvGrpSpPr>
-      <p:grpSpPr>
-        <a:xfrm>
-          <a:off x="0" y="0"/>
-          <a:ext cx="0" cy="0"/>
-          <a:chOff x="0" y="0"/>
-          <a:chExt cx="0" cy="0"/>
-        </a:xfrm>
-      </p:grpSpPr>
-      <p:cxnSp>
-        <p:nvCxnSpPr>
-          <p:cNvPr id="9" name="Straight Connector 8">
-            <a:extLst>
-              <a:ext uri="{FF2B5EF4-FFF2-40B4-BE49-F238E27FC236}">
-                <a16:creationId xmlns:a16="http://schemas.microsoft.com/office/drawing/2014/main" id="{0512F9CB-A1A0-4043-A103-F6A4B94B695A}"/>
-              </a:ext>
-            </a:extLst>
-          </p:cNvPr>
-          <p:cNvCxnSpPr>
-            <a:cxnSpLocks noGrp="1" noRot="1" noChangeAspect="1" noMove="1" noResize="1" noEditPoints="1" noAdjustHandles="1" noChangeArrowheads="1" noChangeShapeType="1"/>
-          </p:cNvCxnSpPr>
-          <p:nvPr>
-            <p:extLst>
-              <p:ext uri="{386F3935-93C4-4BCD-93E2-E3B085C9AB24}">
-                <p16:designElem xmlns:p16="http://schemas.microsoft.com/office/powerpoint/2015/main" val="1"/>
-              </p:ext>
-            </p:extLst>
-          </p:nvPr>
-        </p:nvCxnSpPr>
-        <p:spPr>
-          <a:xfrm flipH="1">
-            <a:off x="8228012" y="8467"/>
-            <a:ext cx="3810000" cy="3810000"/>
-          </a:xfrm>
-          <a:prstGeom prst="line">
-            <a:avLst/>
-          </a:prstGeom>
-          <a:ln w="12700">
-            <a:solidFill>
-              <a:schemeClr val="tx1"/>
-            </a:solidFill>
-          </a:ln>
-        </p:spPr>
-        <p:style>
-          <a:lnRef idx="2">
-            <a:schemeClr val="accent1"/>
-          </a:lnRef>
-          <a:fillRef idx="0">
-            <a:schemeClr val="accent1"/>
-          </a:fillRef>
-          <a:effectRef idx="1">
-            <a:schemeClr val="accent1"/>
-          </a:effectRef>
-          <a:fontRef idx="minor">
-            <a:schemeClr val="tx1"/>
-          </a:fontRef>
-        </p:style>
-      </p:cxnSp>
-      <p:cxnSp>
-        <p:nvCxnSpPr>
-          <p:cNvPr id="11" name="Straight Connector 10">
-            <a:extLst>
-              <a:ext uri="{FF2B5EF4-FFF2-40B4-BE49-F238E27FC236}">
-                <a16:creationId xmlns:a16="http://schemas.microsoft.com/office/drawing/2014/main" id="{ADBE6588-EE16-4389-857C-86A156D49E5D}"/>
-              </a:ext>
-            </a:extLst>
-          </p:cNvPr>
-          <p:cNvCxnSpPr>
-            <a:cxnSpLocks noGrp="1" noRot="1" noChangeAspect="1" noMove="1" noResize="1" noEditPoints="1" noAdjustHandles="1" noChangeArrowheads="1" noChangeShapeType="1"/>
-          </p:cNvCxnSpPr>
-          <p:nvPr>
-            <p:extLst>
-              <p:ext uri="{386F3935-93C4-4BCD-93E2-E3B085C9AB24}">
-                <p16:designElem xmlns:p16="http://schemas.microsoft.com/office/powerpoint/2015/main" val="1"/>
-              </p:ext>
-            </p:extLst>
-          </p:nvPr>
-        </p:nvCxnSpPr>
-        <p:spPr>
-          <a:xfrm flipH="1">
-            <a:off x="6108170" y="91545"/>
-            <a:ext cx="6080655" cy="6080655"/>
-          </a:xfrm>
-          <a:prstGeom prst="line">
-            <a:avLst/>
-          </a:prstGeom>
-          <a:ln w="12700">
-            <a:solidFill>
-              <a:schemeClr val="tx1"/>
-            </a:solidFill>
-          </a:ln>
-        </p:spPr>
-        <p:style>
-          <a:lnRef idx="2">
-            <a:schemeClr val="accent1"/>
-          </a:lnRef>
-          <a:fillRef idx="0">
-            <a:schemeClr val="accent1"/>
-          </a:fillRef>
-          <a:effectRef idx="1">
-            <a:schemeClr val="accent1"/>
-          </a:effectRef>
-          <a:fontRef idx="minor">
-            <a:schemeClr val="tx1"/>
-          </a:fontRef>
-        </p:style>
-      </p:cxnSp>
-      <p:cxnSp>
-        <p:nvCxnSpPr>
-          <p:cNvPr id="13" name="Straight Connector 12">
-            <a:extLst>
-              <a:ext uri="{FF2B5EF4-FFF2-40B4-BE49-F238E27FC236}">
-                <a16:creationId xmlns:a16="http://schemas.microsoft.com/office/drawing/2014/main" id="{17FD48D2-B0A7-413D-B947-AA55AC1296D5}"/>
-              </a:ext>
-            </a:extLst>
-          </p:cNvPr>
-          <p:cNvCxnSpPr>
-            <a:cxnSpLocks noGrp="1" noRot="1" noChangeAspect="1" noMove="1" noResize="1" noEditPoints="1" noAdjustHandles="1" noChangeArrowheads="1" noChangeShapeType="1"/>
-          </p:cNvCxnSpPr>
-          <p:nvPr>
-            <p:extLst>
-              <p:ext uri="{386F3935-93C4-4BCD-93E2-E3B085C9AB24}">
-                <p16:designElem xmlns:p16="http://schemas.microsoft.com/office/powerpoint/2015/main" val="1"/>
-              </p:ext>
-            </p:extLst>
-          </p:nvPr>
-        </p:nvCxnSpPr>
-        <p:spPr>
-          <a:xfrm flipH="1">
-            <a:off x="7235825" y="228600"/>
-            <a:ext cx="4953000" cy="4953000"/>
-          </a:xfrm>
-          <a:prstGeom prst="line">
-            <a:avLst/>
-          </a:prstGeom>
-          <a:ln w="12700">
-            <a:solidFill>
-              <a:schemeClr val="tx1"/>
-            </a:solidFill>
-          </a:ln>
-        </p:spPr>
-        <p:style>
-          <a:lnRef idx="2">
-            <a:schemeClr val="accent1"/>
-          </a:lnRef>
-          <a:fillRef idx="0">
-            <a:schemeClr val="accent1"/>
-          </a:fillRef>
-          <a:effectRef idx="1">
-            <a:schemeClr val="accent1"/>
-          </a:effectRef>
-          <a:fontRef idx="minor">
-            <a:schemeClr val="tx1"/>
-          </a:fontRef>
-        </p:style>
-      </p:cxnSp>
-      <p:cxnSp>
-        <p:nvCxnSpPr>
-          <p:cNvPr id="15" name="Straight Connector 14">
-            <a:extLst>
-              <a:ext uri="{FF2B5EF4-FFF2-40B4-BE49-F238E27FC236}">
-                <a16:creationId xmlns:a16="http://schemas.microsoft.com/office/drawing/2014/main" id="{2BE668D0-D906-4EEE-B32F-8C028624B837}"/>
-              </a:ext>
-            </a:extLst>
-          </p:cNvPr>
-          <p:cNvCxnSpPr>
-            <a:cxnSpLocks noGrp="1" noRot="1" noChangeAspect="1" noMove="1" noResize="1" noEditPoints="1" noAdjustHandles="1" noChangeArrowheads="1" noChangeShapeType="1"/>
-          </p:cNvCxnSpPr>
-          <p:nvPr>
-            <p:extLst>
-              <p:ext uri="{386F3935-93C4-4BCD-93E2-E3B085C9AB24}">
-                <p16:designElem xmlns:p16="http://schemas.microsoft.com/office/powerpoint/2015/main" val="1"/>
-              </p:ext>
-            </p:extLst>
-          </p:nvPr>
-        </p:nvCxnSpPr>
-        <p:spPr>
-          <a:xfrm flipH="1">
-            <a:off x="7335837" y="32278"/>
-            <a:ext cx="4852989" cy="4852989"/>
-          </a:xfrm>
-          <a:prstGeom prst="line">
-            <a:avLst/>
-          </a:prstGeom>
-          <a:ln w="31750">
-            <a:solidFill>
-              <a:schemeClr val="tx1"/>
-            </a:solidFill>
-          </a:ln>
-        </p:spPr>
-        <p:style>
-          <a:lnRef idx="2">
-            <a:schemeClr val="accent1"/>
-          </a:lnRef>
-          <a:fillRef idx="0">
-            <a:schemeClr val="accent1"/>
-          </a:fillRef>
-          <a:effectRef idx="1">
-            <a:schemeClr val="accent1"/>
-          </a:effectRef>
-          <a:fontRef idx="minor">
-            <a:schemeClr val="tx1"/>
-          </a:fontRef>
-        </p:style>
-      </p:cxnSp>
-      <p:cxnSp>
-        <p:nvCxnSpPr>
-          <p:cNvPr id="17" name="Straight Connector 16">
-            <a:extLst>
-              <a:ext uri="{FF2B5EF4-FFF2-40B4-BE49-F238E27FC236}">
-                <a16:creationId xmlns:a16="http://schemas.microsoft.com/office/drawing/2014/main" id="{D1DE67A3-B8F6-4CFD-A8E0-D15200F23152}"/>
-              </a:ext>
-            </a:extLst>
-          </p:cNvPr>
-          <p:cNvCxnSpPr>
-            <a:cxnSpLocks noGrp="1" noRot="1" noChangeAspect="1" noMove="1" noResize="1" noEditPoints="1" noAdjustHandles="1" noChangeArrowheads="1" noChangeShapeType="1"/>
-          </p:cNvCxnSpPr>
-          <p:nvPr>
-            <p:extLst>
-              <p:ext uri="{386F3935-93C4-4BCD-93E2-E3B085C9AB24}">
-                <p16:designElem xmlns:p16="http://schemas.microsoft.com/office/powerpoint/2015/main" val="1"/>
-              </p:ext>
-            </p:extLst>
-          </p:nvPr>
-        </p:nvCxnSpPr>
-        <p:spPr>
-          <a:xfrm flipH="1">
-            <a:off x="7845426" y="609601"/>
-            <a:ext cx="4343399" cy="4343399"/>
-          </a:xfrm>
-          <a:prstGeom prst="line">
-            <a:avLst/>
-          </a:prstGeom>
-          <a:ln w="31750">
-            <a:solidFill>
-              <a:schemeClr val="tx1"/>
-            </a:solidFill>
-          </a:ln>
-        </p:spPr>
-        <p:style>
-          <a:lnRef idx="2">
-            <a:schemeClr val="accent1"/>
-          </a:lnRef>
-          <a:fillRef idx="0">
-            <a:schemeClr val="accent1"/>
-          </a:fillRef>
-          <a:effectRef idx="1">
-            <a:schemeClr val="accent1"/>
-          </a:effectRef>
-          <a:fontRef idx="minor">
-            <a:schemeClr val="tx1"/>
-          </a:fontRef>
-        </p:style>
-      </p:cxnSp>
-      <p:sp>
-        <p:nvSpPr>
-          <p:cNvPr id="19" name="Rectangle 18">
-            <a:extLst>
-              <a:ext uri="{FF2B5EF4-FFF2-40B4-BE49-F238E27FC236}">
-                <a16:creationId xmlns:a16="http://schemas.microsoft.com/office/drawing/2014/main" id="{C6F269C0-E938-4ACE-9291-680DA455A47A}"/>
-              </a:ext>
-            </a:extLst>
-          </p:cNvPr>
-          <p:cNvSpPr>
-            <a:spLocks noGrp="1" noRot="1" noChangeAspect="1" noMove="1" noResize="1" noEditPoints="1" noAdjustHandles="1" noChangeArrowheads="1" noChangeShapeType="1" noTextEdit="1"/>
-          </p:cNvSpPr>
-          <p:nvPr>
-            <p:extLst>
-              <p:ext uri="{386F3935-93C4-4BCD-93E2-E3B085C9AB24}">
-                <p16:designElem xmlns:p16="http://schemas.microsoft.com/office/powerpoint/2015/main" val="1"/>
-              </p:ext>
-            </p:extLst>
-          </p:nvPr>
-        </p:nvSpPr>
-        <p:spPr>
-          <a:xfrm>
-            <a:off x="0" y="0"/>
-            <a:ext cx="12192000" cy="6858000"/>
-          </a:xfrm>
-          <a:prstGeom prst="rect">
-            <a:avLst/>
-          </a:prstGeom>
-          <a:ln>
-            <a:noFill/>
-          </a:ln>
-        </p:spPr>
-        <p:style>
-          <a:lnRef idx="2">
-            <a:schemeClr val="accent1">
-              <a:shade val="50000"/>
-            </a:schemeClr>
-          </a:lnRef>
-          <a:fillRef idx="1002">
-            <a:schemeClr val="dk2"/>
-          </a:fillRef>
-          <a:effectRef idx="0">
-            <a:schemeClr val="accent1"/>
-          </a:effectRef>
-          <a:fontRef idx="minor">
-            <a:schemeClr val="lt1"/>
-          </a:fontRef>
-        </p:style>
-        <p:txBody>
-          <a:bodyPr rtlCol="0" anchor="ctr"/>
-          <a:lstStyle/>
-          <a:p>
-            <a:pPr algn="ctr"/>
-            <a:endParaRPr lang="en-US"/>
-          </a:p>
-        </p:txBody>
-      </p:sp>
-      <p:sp useBgFill="1">
-        <p:nvSpPr>
-          <p:cNvPr id="21" name="Snip Diagonal Corner Rectangle 6">
-            <a:extLst>
-              <a:ext uri="{FF2B5EF4-FFF2-40B4-BE49-F238E27FC236}">
-                <a16:creationId xmlns:a16="http://schemas.microsoft.com/office/drawing/2014/main" id="{353910D8-86D8-4812-AACB-F5860956EB60}"/>
-              </a:ext>
-            </a:extLst>
-          </p:cNvPr>
-          <p:cNvSpPr>
-            <a:spLocks noGrp="1" noRot="1" noChangeAspect="1" noMove="1" noResize="1" noEditPoints="1" noAdjustHandles="1" noChangeArrowheads="1" noChangeShapeType="1" noTextEdit="1"/>
-          </p:cNvSpPr>
-          <p:nvPr>
-            <p:extLst>
-              <p:ext uri="{386F3935-93C4-4BCD-93E2-E3B085C9AB24}">
-                <p16:designElem xmlns:p16="http://schemas.microsoft.com/office/powerpoint/2015/main" val="1"/>
-              </p:ext>
-            </p:extLst>
-          </p:nvPr>
-        </p:nvSpPr>
-        <p:spPr>
-          <a:xfrm>
-            <a:off x="634000" y="620722"/>
-            <a:ext cx="4977369" cy="5286838"/>
-          </a:xfrm>
-          <a:prstGeom prst="snip2DiagRect">
-            <a:avLst>
-              <a:gd name="adj1" fmla="val 9763"/>
-              <a:gd name="adj2" fmla="val 0"/>
-            </a:avLst>
-          </a:prstGeom>
-          <a:ln>
-            <a:noFill/>
-          </a:ln>
-          <a:effectLst>
-            <a:innerShdw blurRad="57150" dist="38100" dir="14460000">
-              <a:prstClr val="black">
-                <a:alpha val="70000"/>
-              </a:prstClr>
-            </a:innerShdw>
-          </a:effectLst>
-        </p:spPr>
-        <p:style>
-          <a:lnRef idx="2">
-            <a:schemeClr val="accent1">
-              <a:shade val="50000"/>
-            </a:schemeClr>
-          </a:lnRef>
-          <a:fillRef idx="1">
-            <a:schemeClr val="accent1"/>
-          </a:fillRef>
-          <a:effectRef idx="0">
-            <a:schemeClr val="accent1"/>
-          </a:effectRef>
-          <a:fontRef idx="minor">
-            <a:schemeClr val="lt1"/>
-          </a:fontRef>
-        </p:style>
-        <p:txBody>
-          <a:bodyPr rtlCol="0" anchor="ctr"/>
-          <a:lstStyle/>
-          <a:p>
-            <a:pPr algn="ctr"/>
-            <a:endParaRPr lang="en-US"/>
-          </a:p>
-        </p:txBody>
-      </p:sp>
-      <p:grpSp>
-        <p:nvGrpSpPr>
-          <p:cNvPr id="57" name="Group 22">
-            <a:extLst>
-              <a:ext uri="{FF2B5EF4-FFF2-40B4-BE49-F238E27FC236}">
-                <a16:creationId xmlns:a16="http://schemas.microsoft.com/office/drawing/2014/main" id="{B0DDB13E-0746-49BA-B832-3DBEF6AB5ED7}"/>
-              </a:ext>
-            </a:extLst>
-          </p:cNvPr>
-          <p:cNvGrpSpPr>
-            <a:grpSpLocks noGrp="1" noUngrp="1" noRot="1" noChangeAspect="1" noMove="1" noResize="1"/>
-          </p:cNvGrpSpPr>
-          <p:nvPr>
-            <p:extLst>
-              <p:ext uri="{386F3935-93C4-4BCD-93E2-E3B085C9AB24}">
-                <p16:designElem xmlns:p16="http://schemas.microsoft.com/office/powerpoint/2015/main" val="1"/>
-              </p:ext>
-            </p:extLst>
-          </p:nvPr>
-        </p:nvGrpSpPr>
-        <p:grpSpPr>
-          <a:xfrm>
-            <a:off x="9206969" y="2963333"/>
-            <a:ext cx="2981858" cy="3208867"/>
-            <a:chOff x="9206969" y="2963333"/>
-            <a:chExt cx="2981858" cy="3208867"/>
-          </a:xfrm>
-        </p:grpSpPr>
-        <p:cxnSp>
-          <p:nvCxnSpPr>
-            <p:cNvPr id="24" name="Straight Connector 23">
-              <a:extLst>
-                <a:ext uri="{FF2B5EF4-FFF2-40B4-BE49-F238E27FC236}">
-                  <a16:creationId xmlns:a16="http://schemas.microsoft.com/office/drawing/2014/main" id="{675ABE57-032A-4BDB-8DA5-921E3A265759}"/>
-                </a:ext>
-              </a:extLst>
-            </p:cNvPr>
-            <p:cNvCxnSpPr/>
-            <p:nvPr>
-              <p:extLst>
-                <p:ext uri="{386F3935-93C4-4BCD-93E2-E3B085C9AB24}">
-                  <p16:designElem xmlns:p16="http://schemas.microsoft.com/office/powerpoint/2015/main" val="1"/>
-                </p:ext>
-              </p:extLst>
-            </p:nvPr>
-          </p:nvCxnSpPr>
-          <p:spPr>
-            <a:xfrm flipH="1">
-              <a:off x="11276012" y="2963333"/>
-              <a:ext cx="912814" cy="912812"/>
-            </a:xfrm>
-            <a:prstGeom prst="line">
-              <a:avLst/>
-            </a:prstGeom>
-            <a:ln w="9525">
-              <a:solidFill>
-                <a:srgbClr val="FFFFFF"/>
-              </a:solidFill>
-            </a:ln>
-          </p:spPr>
-          <p:style>
-            <a:lnRef idx="2">
-              <a:schemeClr val="accent1"/>
-            </a:lnRef>
-            <a:fillRef idx="0">
-              <a:schemeClr val="accent1"/>
-            </a:fillRef>
-            <a:effectRef idx="1">
-              <a:schemeClr val="accent1"/>
-            </a:effectRef>
-            <a:fontRef idx="minor">
-              <a:schemeClr val="tx1"/>
-            </a:fontRef>
-          </p:style>
-        </p:cxnSp>
-        <p:cxnSp>
-          <p:nvCxnSpPr>
-            <p:cNvPr id="25" name="Straight Connector 24">
-              <a:extLst>
-                <a:ext uri="{FF2B5EF4-FFF2-40B4-BE49-F238E27FC236}">
-                  <a16:creationId xmlns:a16="http://schemas.microsoft.com/office/drawing/2014/main" id="{B1CBD4F3-E4C6-4345-B5B9-225E609D38E9}"/>
-                </a:ext>
-              </a:extLst>
-            </p:cNvPr>
-            <p:cNvCxnSpPr/>
-            <p:nvPr>
-              <p:extLst>
-                <p:ext uri="{386F3935-93C4-4BCD-93E2-E3B085C9AB24}">
-                  <p16:designElem xmlns:p16="http://schemas.microsoft.com/office/powerpoint/2015/main" val="1"/>
-                </p:ext>
-              </p:extLst>
-            </p:nvPr>
-          </p:nvCxnSpPr>
-          <p:spPr>
-            <a:xfrm flipH="1">
-              <a:off x="9206969" y="3190344"/>
-              <a:ext cx="2981857" cy="2981856"/>
-            </a:xfrm>
-            <a:prstGeom prst="line">
-              <a:avLst/>
-            </a:prstGeom>
-            <a:ln w="9525">
-              <a:solidFill>
-                <a:srgbClr val="FFFFFF"/>
-              </a:solidFill>
-            </a:ln>
-          </p:spPr>
-          <p:style>
-            <a:lnRef idx="2">
-              <a:schemeClr val="accent1"/>
-            </a:lnRef>
-            <a:fillRef idx="0">
-              <a:schemeClr val="accent1"/>
-            </a:fillRef>
-            <a:effectRef idx="1">
-              <a:schemeClr val="accent1"/>
-            </a:effectRef>
-            <a:fontRef idx="minor">
-              <a:schemeClr val="tx1"/>
-            </a:fontRef>
-          </p:style>
-        </p:cxnSp>
-        <p:cxnSp>
-          <p:nvCxnSpPr>
-            <p:cNvPr id="26" name="Straight Connector 25">
-              <a:extLst>
-                <a:ext uri="{FF2B5EF4-FFF2-40B4-BE49-F238E27FC236}">
-                  <a16:creationId xmlns:a16="http://schemas.microsoft.com/office/drawing/2014/main" id="{3AD7E20A-1B41-40E2-9927-FD6E3E09DF6B}"/>
-                </a:ext>
-              </a:extLst>
-            </p:cNvPr>
-            <p:cNvCxnSpPr/>
-            <p:nvPr>
-              <p:extLst>
-                <p:ext uri="{386F3935-93C4-4BCD-93E2-E3B085C9AB24}">
-                  <p16:designElem xmlns:p16="http://schemas.microsoft.com/office/powerpoint/2015/main" val="1"/>
-                </p:ext>
-              </p:extLst>
-            </p:nvPr>
-          </p:nvCxnSpPr>
-          <p:spPr>
-            <a:xfrm flipH="1">
-              <a:off x="10292292" y="3285067"/>
-              <a:ext cx="1896534" cy="1896533"/>
-            </a:xfrm>
-            <a:prstGeom prst="line">
-              <a:avLst/>
-            </a:prstGeom>
-            <a:ln w="9525">
-              <a:solidFill>
-                <a:srgbClr val="FFFFFF"/>
-              </a:solidFill>
-            </a:ln>
-          </p:spPr>
-          <p:style>
-            <a:lnRef idx="2">
-              <a:schemeClr val="accent1"/>
-            </a:lnRef>
-            <a:fillRef idx="0">
-              <a:schemeClr val="accent1"/>
-            </a:fillRef>
-            <a:effectRef idx="1">
-              <a:schemeClr val="accent1"/>
-            </a:effectRef>
-            <a:fontRef idx="minor">
-              <a:schemeClr val="tx1"/>
-            </a:fontRef>
-          </p:style>
-        </p:cxnSp>
-        <p:cxnSp>
-          <p:nvCxnSpPr>
-            <p:cNvPr id="27" name="Straight Connector 26">
-              <a:extLst>
-                <a:ext uri="{FF2B5EF4-FFF2-40B4-BE49-F238E27FC236}">
-                  <a16:creationId xmlns:a16="http://schemas.microsoft.com/office/drawing/2014/main" id="{B42C5E4E-9C9A-4C8F-A06F-0C25A124EA87}"/>
-                </a:ext>
-              </a:extLst>
-            </p:cNvPr>
-            <p:cNvCxnSpPr/>
-            <p:nvPr>
-              <p:extLst>
-                <p:ext uri="{386F3935-93C4-4BCD-93E2-E3B085C9AB24}">
-                  <p16:designElem xmlns:p16="http://schemas.microsoft.com/office/powerpoint/2015/main" val="1"/>
-                </p:ext>
-              </p:extLst>
-            </p:nvPr>
-          </p:nvCxnSpPr>
-          <p:spPr>
-            <a:xfrm flipH="1">
-              <a:off x="10443103" y="3131080"/>
-              <a:ext cx="1745722" cy="1745720"/>
-            </a:xfrm>
-            <a:prstGeom prst="line">
-              <a:avLst/>
-            </a:prstGeom>
-            <a:ln w="28575">
-              <a:solidFill>
-                <a:srgbClr val="FFFFFF"/>
-              </a:solidFill>
-            </a:ln>
-          </p:spPr>
-          <p:style>
-            <a:lnRef idx="2">
-              <a:schemeClr val="accent1"/>
-            </a:lnRef>
-            <a:fillRef idx="0">
-              <a:schemeClr val="accent1"/>
-            </a:fillRef>
-            <a:effectRef idx="1">
-              <a:schemeClr val="accent1"/>
-            </a:effectRef>
-            <a:fontRef idx="minor">
-              <a:schemeClr val="tx1"/>
-            </a:fontRef>
-          </p:style>
-        </p:cxnSp>
-        <p:cxnSp>
-          <p:nvCxnSpPr>
-            <p:cNvPr id="28" name="Straight Connector 27">
-              <a:extLst>
-                <a:ext uri="{FF2B5EF4-FFF2-40B4-BE49-F238E27FC236}">
-                  <a16:creationId xmlns:a16="http://schemas.microsoft.com/office/drawing/2014/main" id="{24382779-711D-4169-BCDC-A353BB9E75A2}"/>
-                </a:ext>
-              </a:extLst>
-            </p:cNvPr>
-            <p:cNvCxnSpPr/>
-            <p:nvPr>
-              <p:extLst>
-                <p:ext uri="{386F3935-93C4-4BCD-93E2-E3B085C9AB24}">
-                  <p16:designElem xmlns:p16="http://schemas.microsoft.com/office/powerpoint/2015/main" val="1"/>
-                </p:ext>
-              </p:extLst>
-            </p:nvPr>
-          </p:nvCxnSpPr>
-          <p:spPr>
-            <a:xfrm flipH="1">
-              <a:off x="10918826" y="3683001"/>
-              <a:ext cx="1270001" cy="1269999"/>
-            </a:xfrm>
-            <a:prstGeom prst="line">
-              <a:avLst/>
-            </a:prstGeom>
-            <a:ln w="28575">
-              <a:solidFill>
-                <a:srgbClr val="FFFFFF"/>
-              </a:solidFill>
-            </a:ln>
-          </p:spPr>
-          <p:style>
-            <a:lnRef idx="2">
-              <a:schemeClr val="accent1"/>
-            </a:lnRef>
-            <a:fillRef idx="0">
-              <a:schemeClr val="accent1"/>
-            </a:fillRef>
-            <a:effectRef idx="1">
-              <a:schemeClr val="accent1"/>
-            </a:effectRef>
-            <a:fontRef idx="minor">
-              <a:schemeClr val="tx1"/>
-            </a:fontRef>
-          </p:style>
-        </p:cxnSp>
-      </p:grpSp>
-      <p:pic>
-        <p:nvPicPr>
-          <p:cNvPr id="4" name="Immagine 3" descr="Immagine che contiene testo, mappa&#10;&#10;Descrizione generata con affidabilità molto elevata">
-            <a:extLst>
-              <a:ext uri="{FF2B5EF4-FFF2-40B4-BE49-F238E27FC236}">
-                <a16:creationId xmlns:a16="http://schemas.microsoft.com/office/drawing/2014/main" id="{E2502BA6-B9DB-43DB-9B47-74EA7F078EA8}"/>
-              </a:ext>
-            </a:extLst>
-          </p:cNvPr>
-          <p:cNvPicPr>
-            <a:picLocks noChangeAspect="1"/>
-          </p:cNvPicPr>
-          <p:nvPr/>
-        </p:nvPicPr>
-        <p:blipFill>
-          <a:blip r:embed="rId2">
-            <a:extLst>
-              <a:ext uri="{28A0092B-C50C-407E-A947-70E740481C1C}">
-                <a14:useLocalDpi xmlns:a14="http://schemas.microsoft.com/office/drawing/2010/main" val="0"/>
-              </a:ext>
-            </a:extLst>
-          </a:blip>
-          <a:stretch>
-            <a:fillRect/>
-          </a:stretch>
-        </p:blipFill>
-        <p:spPr>
-          <a:xfrm>
-            <a:off x="947956" y="948110"/>
-            <a:ext cx="4364179" cy="4756599"/>
-          </a:xfrm>
-          <a:prstGeom prst="rect">
-            <a:avLst/>
-          </a:prstGeom>
-        </p:spPr>
-      </p:pic>
-      <p:sp>
-        <p:nvSpPr>
-          <p:cNvPr id="2" name="Titolo 1">
-            <a:extLst>
-              <a:ext uri="{FF2B5EF4-FFF2-40B4-BE49-F238E27FC236}">
-                <a16:creationId xmlns:a16="http://schemas.microsoft.com/office/drawing/2014/main" id="{9CF06705-7C94-41DB-8A46-7CDC39C58B71}"/>
-              </a:ext>
-            </a:extLst>
-          </p:cNvPr>
-          <p:cNvSpPr>
-            <a:spLocks noGrp="1"/>
-          </p:cNvSpPr>
-          <p:nvPr>
-            <p:ph type="title"/>
-          </p:nvPr>
-        </p:nvSpPr>
-        <p:spPr>
-          <a:xfrm>
-            <a:off x="6323806" y="895036"/>
-            <a:ext cx="5408613" cy="3028983"/>
-          </a:xfrm>
-        </p:spPr>
-        <p:txBody>
-          <a:bodyPr vert="horz" lIns="91440" tIns="45720" rIns="91440" bIns="45720" rtlCol="0" anchor="b">
-            <a:normAutofit/>
-          </a:bodyPr>
-          <a:lstStyle/>
-          <a:p>
-            <a:r>
-              <a:rPr lang="en-US" sz="4800" dirty="0">
-                <a:solidFill>
-                  <a:srgbClr val="FFFFFF"/>
-                </a:solidFill>
-              </a:rPr>
-              <a:t>E-R Model</a:t>
-            </a:r>
-          </a:p>
-        </p:txBody>
-      </p:sp>
-    </p:spTree>
-    <p:extLst>
-      <p:ext uri="{BB962C8B-B14F-4D97-AF65-F5344CB8AC3E}">
-        <p14:creationId xmlns:p14="http://schemas.microsoft.com/office/powerpoint/2010/main" val="2500485149"/>
       </p:ext>
     </p:extLst>
   </p:cSld>

--- a/EsseFunziona/description/EsseFunziona.pptx
+++ b/EsseFunziona/description/EsseFunziona.pptx
@@ -316,7 +316,7 @@
           <a:p>
             <a:fld id="{AEEF0AA8-E38C-4580-95DC-D87C8EFA4E2A}" type="datetimeFigureOut">
               <a:rPr lang="it-IT" smtClean="0"/>
-              <a:t>21/01/2018</a:t>
+              <a:t>23/01/2018</a:t>
             </a:fld>
             <a:endParaRPr lang="it-IT"/>
           </a:p>
@@ -752,7 +752,7 @@
           <a:p>
             <a:fld id="{AEEF0AA8-E38C-4580-95DC-D87C8EFA4E2A}" type="datetimeFigureOut">
               <a:rPr lang="it-IT" smtClean="0"/>
-              <a:t>21/01/2018</a:t>
+              <a:t>23/01/2018</a:t>
             </a:fld>
             <a:endParaRPr lang="it-IT"/>
           </a:p>
@@ -1002,7 +1002,7 @@
           <a:p>
             <a:fld id="{AEEF0AA8-E38C-4580-95DC-D87C8EFA4E2A}" type="datetimeFigureOut">
               <a:rPr lang="it-IT" smtClean="0"/>
-              <a:t>21/01/2018</a:t>
+              <a:t>23/01/2018</a:t>
             </a:fld>
             <a:endParaRPr lang="it-IT"/>
           </a:p>
@@ -1310,7 +1310,7 @@
           <a:p>
             <a:fld id="{AEEF0AA8-E38C-4580-95DC-D87C8EFA4E2A}" type="datetimeFigureOut">
               <a:rPr lang="it-IT" smtClean="0"/>
-              <a:t>21/01/2018</a:t>
+              <a:t>23/01/2018</a:t>
             </a:fld>
             <a:endParaRPr lang="it-IT"/>
           </a:p>
@@ -1628,7 +1628,7 @@
           <a:p>
             <a:fld id="{AEEF0AA8-E38C-4580-95DC-D87C8EFA4E2A}" type="datetimeFigureOut">
               <a:rPr lang="it-IT" smtClean="0"/>
-              <a:t>21/01/2018</a:t>
+              <a:t>23/01/2018</a:t>
             </a:fld>
             <a:endParaRPr lang="it-IT"/>
           </a:p>
@@ -1930,7 +1930,7 @@
           <a:p>
             <a:fld id="{AEEF0AA8-E38C-4580-95DC-D87C8EFA4E2A}" type="datetimeFigureOut">
               <a:rPr lang="it-IT" smtClean="0"/>
-              <a:t>21/01/2018</a:t>
+              <a:t>23/01/2018</a:t>
             </a:fld>
             <a:endParaRPr lang="it-IT"/>
           </a:p>
@@ -2297,7 +2297,7 @@
           <a:p>
             <a:fld id="{AEEF0AA8-E38C-4580-95DC-D87C8EFA4E2A}" type="datetimeFigureOut">
               <a:rPr lang="it-IT" smtClean="0"/>
-              <a:t>21/01/2018</a:t>
+              <a:t>23/01/2018</a:t>
             </a:fld>
             <a:endParaRPr lang="it-IT"/>
           </a:p>
@@ -2471,7 +2471,7 @@
           <a:p>
             <a:fld id="{AEEF0AA8-E38C-4580-95DC-D87C8EFA4E2A}" type="datetimeFigureOut">
               <a:rPr lang="it-IT" smtClean="0"/>
-              <a:t>21/01/2018</a:t>
+              <a:t>23/01/2018</a:t>
             </a:fld>
             <a:endParaRPr lang="it-IT"/>
           </a:p>
@@ -2651,7 +2651,7 @@
           <a:p>
             <a:fld id="{AEEF0AA8-E38C-4580-95DC-D87C8EFA4E2A}" type="datetimeFigureOut">
               <a:rPr lang="it-IT" smtClean="0"/>
-              <a:t>21/01/2018</a:t>
+              <a:t>23/01/2018</a:t>
             </a:fld>
             <a:endParaRPr lang="it-IT"/>
           </a:p>
@@ -2821,7 +2821,7 @@
           <a:p>
             <a:fld id="{AEEF0AA8-E38C-4580-95DC-D87C8EFA4E2A}" type="datetimeFigureOut">
               <a:rPr lang="it-IT" smtClean="0"/>
-              <a:t>21/01/2018</a:t>
+              <a:t>23/01/2018</a:t>
             </a:fld>
             <a:endParaRPr lang="it-IT"/>
           </a:p>
@@ -3071,7 +3071,7 @@
           <a:p>
             <a:fld id="{AEEF0AA8-E38C-4580-95DC-D87C8EFA4E2A}" type="datetimeFigureOut">
               <a:rPr lang="it-IT" smtClean="0"/>
-              <a:t>21/01/2018</a:t>
+              <a:t>23/01/2018</a:t>
             </a:fld>
             <a:endParaRPr lang="it-IT"/>
           </a:p>
@@ -3307,7 +3307,7 @@
           <a:p>
             <a:fld id="{AEEF0AA8-E38C-4580-95DC-D87C8EFA4E2A}" type="datetimeFigureOut">
               <a:rPr lang="it-IT" smtClean="0"/>
-              <a:t>21/01/2018</a:t>
+              <a:t>23/01/2018</a:t>
             </a:fld>
             <a:endParaRPr lang="it-IT"/>
           </a:p>
@@ -3689,7 +3689,7 @@
           <a:p>
             <a:fld id="{AEEF0AA8-E38C-4580-95DC-D87C8EFA4E2A}" type="datetimeFigureOut">
               <a:rPr lang="it-IT" smtClean="0"/>
-              <a:t>21/01/2018</a:t>
+              <a:t>23/01/2018</a:t>
             </a:fld>
             <a:endParaRPr lang="it-IT"/>
           </a:p>
@@ -3807,7 +3807,7 @@
           <a:p>
             <a:fld id="{AEEF0AA8-E38C-4580-95DC-D87C8EFA4E2A}" type="datetimeFigureOut">
               <a:rPr lang="it-IT" smtClean="0"/>
-              <a:t>21/01/2018</a:t>
+              <a:t>23/01/2018</a:t>
             </a:fld>
             <a:endParaRPr lang="it-IT"/>
           </a:p>
@@ -3902,7 +3902,7 @@
           <a:p>
             <a:fld id="{AEEF0AA8-E38C-4580-95DC-D87C8EFA4E2A}" type="datetimeFigureOut">
               <a:rPr lang="it-IT" smtClean="0"/>
-              <a:t>21/01/2018</a:t>
+              <a:t>23/01/2018</a:t>
             </a:fld>
             <a:endParaRPr lang="it-IT"/>
           </a:p>
@@ -4157,7 +4157,7 @@
           <a:p>
             <a:fld id="{AEEF0AA8-E38C-4580-95DC-D87C8EFA4E2A}" type="datetimeFigureOut">
               <a:rPr lang="it-IT" smtClean="0"/>
-              <a:t>21/01/2018</a:t>
+              <a:t>23/01/2018</a:t>
             </a:fld>
             <a:endParaRPr lang="it-IT"/>
           </a:p>
@@ -4440,7 +4440,7 @@
           <a:p>
             <a:fld id="{AEEF0AA8-E38C-4580-95DC-D87C8EFA4E2A}" type="datetimeFigureOut">
               <a:rPr lang="it-IT" smtClean="0"/>
-              <a:t>21/01/2018</a:t>
+              <a:t>23/01/2018</a:t>
             </a:fld>
             <a:endParaRPr lang="it-IT"/>
           </a:p>
@@ -4846,7 +4846,7 @@
           <a:p>
             <a:fld id="{AEEF0AA8-E38C-4580-95DC-D87C8EFA4E2A}" type="datetimeFigureOut">
               <a:rPr lang="it-IT" smtClean="0"/>
-              <a:t>21/01/2018</a:t>
+              <a:t>23/01/2018</a:t>
             </a:fld>
             <a:endParaRPr lang="it-IT"/>
           </a:p>
@@ -7207,10 +7207,10 @@
       </p:sp>
       <p:pic>
         <p:nvPicPr>
-          <p:cNvPr id="4" name="Immagine 3" descr="Immagine che contiene testo&#10;&#10;Descrizione generata con affidabilità molto elevata">
+          <p:cNvPr id="7" name="Immagine 6" descr="Immagine che contiene testo&#10;&#10;Descrizione generata con affidabilità molto elevata">
             <a:extLst>
               <a:ext uri="{FF2B5EF4-FFF2-40B4-BE49-F238E27FC236}">
-                <a16:creationId xmlns:a16="http://schemas.microsoft.com/office/drawing/2014/main" id="{821AC686-02CD-4658-869D-073F6F33BEE8}"/>
+                <a16:creationId xmlns:a16="http://schemas.microsoft.com/office/drawing/2014/main" id="{61CFCBA9-BBFD-444E-8C42-35D41F0A28A7}"/>
               </a:ext>
             </a:extLst>
           </p:cNvPr>
@@ -7233,8 +7233,8 @@
         </p:blipFill>
         <p:spPr>
           <a:xfrm>
-            <a:off x="1059939" y="849946"/>
-            <a:ext cx="5352655" cy="4870916"/>
+            <a:off x="1286911" y="685800"/>
+            <a:ext cx="5112956" cy="5195302"/>
           </a:xfrm>
           <a:prstGeom prst="rect">
             <a:avLst/>

--- a/EsseFunziona/description/EsseFunziona.pptx
+++ b/EsseFunziona/description/EsseFunziona.pptx
@@ -7875,7 +7875,15 @@
             <a:pPr lvl="1"/>
             <a:r>
               <a:rPr lang="it-IT" dirty="0"/>
-              <a:t>		Utilizzata per la lettura dei post e delle news dalla pagina 			facebook dell’università</a:t>
+              <a:t>		Utilizzata per la lettura dei post e delle news dalla pagina 			</a:t>
+            </a:r>
+            <a:r>
+              <a:rPr lang="it-IT" dirty="0" err="1"/>
+              <a:t>facebook</a:t>
+            </a:r>
+            <a:r>
+              <a:rPr lang="it-IT" dirty="0"/>
+              <a:t> del corso di laurea selezionato</a:t>
             </a:r>
           </a:p>
           <a:p>
